--- a/프로젝트 발표.pptx
+++ b/프로젝트 발표.pptx
@@ -16,12 +16,15 @@
     <p:sldId id="296" r:id="rId10"/>
     <p:sldId id="299" r:id="rId11"/>
     <p:sldId id="298" r:id="rId12"/>
-    <p:sldId id="285" r:id="rId13"/>
-    <p:sldId id="284" r:id="rId14"/>
-    <p:sldId id="282" r:id="rId15"/>
-    <p:sldId id="286" r:id="rId16"/>
-    <p:sldId id="300" r:id="rId17"/>
-    <p:sldId id="301" r:id="rId18"/>
+    <p:sldId id="302" r:id="rId13"/>
+    <p:sldId id="303" r:id="rId14"/>
+    <p:sldId id="304" r:id="rId15"/>
+    <p:sldId id="285" r:id="rId16"/>
+    <p:sldId id="284" r:id="rId17"/>
+    <p:sldId id="282" r:id="rId18"/>
+    <p:sldId id="286" r:id="rId19"/>
+    <p:sldId id="300" r:id="rId20"/>
+    <p:sldId id="301" r:id="rId21"/>
   </p:sldIdLst>
   <p:sldSz cx="12192000" cy="6858000"/>
   <p:notesSz cx="6858000" cy="9144000"/>
@@ -9953,6 +9956,3603 @@
           <p:cNvPr id="4" name="부제목 3">
             <a:extLst>
               <a:ext uri="{FF2B5EF4-FFF2-40B4-BE49-F238E27FC236}">
+                <a16:creationId xmlns:a16="http://schemas.microsoft.com/office/drawing/2014/main" id="{109F72E8-008A-4ABD-A4A1-0836DEB3378D}"/>
+              </a:ext>
+            </a:extLst>
+          </p:cNvPr>
+          <p:cNvSpPr>
+            <a:spLocks noGrp="1"/>
+          </p:cNvSpPr>
+          <p:nvPr>
+            <p:ph type="subTitle" idx="1"/>
+          </p:nvPr>
+        </p:nvSpPr>
+        <p:spPr>
+          <a:xfrm>
+            <a:off x="303078" y="228826"/>
+            <a:ext cx="11685722" cy="861420"/>
+          </a:xfrm>
+        </p:spPr>
+        <p:txBody>
+          <a:bodyPr>
+            <a:normAutofit/>
+          </a:bodyPr>
+          <a:lstStyle/>
+          <a:p>
+            <a:pPr algn="ctr"/>
+            <a:r>
+              <a:rPr lang="ko-KR" altLang="en-US" sz="2400" b="1" dirty="0">
+                <a:solidFill>
+                  <a:schemeClr val="tx1"/>
+                </a:solidFill>
+              </a:rPr>
+              <a:t>결과</a:t>
+            </a:r>
+          </a:p>
+        </p:txBody>
+      </p:sp>
+      <p:sp>
+        <p:nvSpPr>
+          <p:cNvPr id="8" name="부제목 3">
+            <a:extLst>
+              <a:ext uri="{FF2B5EF4-FFF2-40B4-BE49-F238E27FC236}">
+                <a16:creationId xmlns:a16="http://schemas.microsoft.com/office/drawing/2014/main" id="{80F92FBB-A6B6-4EED-8020-8B37D6C61C4E}"/>
+              </a:ext>
+            </a:extLst>
+          </p:cNvPr>
+          <p:cNvSpPr txBox="1">
+            <a:spLocks/>
+          </p:cNvSpPr>
+          <p:nvPr/>
+        </p:nvSpPr>
+        <p:spPr>
+          <a:xfrm>
+            <a:off x="306985" y="834511"/>
+            <a:ext cx="11685722" cy="861420"/>
+          </a:xfrm>
+          <a:prstGeom prst="rect">
+            <a:avLst/>
+          </a:prstGeom>
+        </p:spPr>
+        <p:txBody>
+          <a:bodyPr vert="horz" lIns="91440" tIns="45720" rIns="91440" bIns="45720" rtlCol="0" anchor="t">
+            <a:normAutofit/>
+          </a:bodyPr>
+          <a:lstStyle>
+            <a:lvl1pPr marL="0" indent="0" algn="l" defTabSz="457200" rtl="0" eaLnBrk="1" latinLnBrk="1" hangingPunct="1">
+              <a:spcBef>
+                <a:spcPts val="1000"/>
+              </a:spcBef>
+              <a:spcAft>
+                <a:spcPts val="0"/>
+              </a:spcAft>
+              <a:buClr>
+                <a:schemeClr val="bg2">
+                  <a:lumMod val="40000"/>
+                  <a:lumOff val="60000"/>
+                </a:schemeClr>
+              </a:buClr>
+              <a:buSzPct val="80000"/>
+              <a:buFont typeface="Wingdings 3" charset="2"/>
+              <a:buNone/>
+              <a:defRPr sz="2000" b="0" i="0" kern="1200" cap="all">
+                <a:solidFill>
+                  <a:schemeClr val="bg2">
+                    <a:lumMod val="40000"/>
+                    <a:lumOff val="60000"/>
+                  </a:schemeClr>
+                </a:solidFill>
+                <a:latin typeface="+mj-lt"/>
+                <a:ea typeface="+mj-ea"/>
+                <a:cs typeface="+mj-cs"/>
+              </a:defRPr>
+            </a:lvl1pPr>
+            <a:lvl2pPr marL="457200" indent="0" algn="ctr" defTabSz="457200" rtl="0" eaLnBrk="1" latinLnBrk="1" hangingPunct="1">
+              <a:spcBef>
+                <a:spcPts val="1000"/>
+              </a:spcBef>
+              <a:spcAft>
+                <a:spcPts val="0"/>
+              </a:spcAft>
+              <a:buClr>
+                <a:schemeClr val="bg2">
+                  <a:lumMod val="40000"/>
+                  <a:lumOff val="60000"/>
+                </a:schemeClr>
+              </a:buClr>
+              <a:buSzPct val="80000"/>
+              <a:buFont typeface="Wingdings 3" charset="2"/>
+              <a:buNone/>
+              <a:defRPr sz="1800" b="0" i="0" kern="1200">
+                <a:solidFill>
+                  <a:schemeClr val="tx1">
+                    <a:tint val="75000"/>
+                  </a:schemeClr>
+                </a:solidFill>
+                <a:latin typeface="+mj-lt"/>
+                <a:ea typeface="+mj-ea"/>
+                <a:cs typeface="+mj-cs"/>
+              </a:defRPr>
+            </a:lvl2pPr>
+            <a:lvl3pPr marL="914400" indent="0" algn="ctr" defTabSz="457200" rtl="0" eaLnBrk="1" latinLnBrk="1" hangingPunct="1">
+              <a:spcBef>
+                <a:spcPts val="1000"/>
+              </a:spcBef>
+              <a:spcAft>
+                <a:spcPts val="0"/>
+              </a:spcAft>
+              <a:buClr>
+                <a:schemeClr val="bg2">
+                  <a:lumMod val="40000"/>
+                  <a:lumOff val="60000"/>
+                </a:schemeClr>
+              </a:buClr>
+              <a:buSzPct val="80000"/>
+              <a:buFont typeface="Wingdings 3" charset="2"/>
+              <a:buNone/>
+              <a:defRPr sz="1600" b="0" i="0" kern="1200">
+                <a:solidFill>
+                  <a:schemeClr val="tx1">
+                    <a:tint val="75000"/>
+                  </a:schemeClr>
+                </a:solidFill>
+                <a:latin typeface="+mj-lt"/>
+                <a:ea typeface="+mj-ea"/>
+                <a:cs typeface="+mj-cs"/>
+              </a:defRPr>
+            </a:lvl3pPr>
+            <a:lvl4pPr marL="1371600" indent="0" algn="ctr" defTabSz="457200" rtl="0" eaLnBrk="1" latinLnBrk="1" hangingPunct="1">
+              <a:spcBef>
+                <a:spcPts val="1000"/>
+              </a:spcBef>
+              <a:spcAft>
+                <a:spcPts val="0"/>
+              </a:spcAft>
+              <a:buClr>
+                <a:schemeClr val="bg2">
+                  <a:lumMod val="40000"/>
+                  <a:lumOff val="60000"/>
+                </a:schemeClr>
+              </a:buClr>
+              <a:buSzPct val="80000"/>
+              <a:buFont typeface="Wingdings 3" charset="2"/>
+              <a:buNone/>
+              <a:defRPr sz="1400" b="0" i="0" kern="1200">
+                <a:solidFill>
+                  <a:schemeClr val="tx1">
+                    <a:tint val="75000"/>
+                  </a:schemeClr>
+                </a:solidFill>
+                <a:latin typeface="+mj-lt"/>
+                <a:ea typeface="+mj-ea"/>
+                <a:cs typeface="+mj-cs"/>
+              </a:defRPr>
+            </a:lvl4pPr>
+            <a:lvl5pPr marL="1828800" indent="0" algn="ctr" defTabSz="457200" rtl="0" eaLnBrk="1" latinLnBrk="1" hangingPunct="1">
+              <a:spcBef>
+                <a:spcPts val="1000"/>
+              </a:spcBef>
+              <a:spcAft>
+                <a:spcPts val="0"/>
+              </a:spcAft>
+              <a:buClr>
+                <a:schemeClr val="bg2">
+                  <a:lumMod val="40000"/>
+                  <a:lumOff val="60000"/>
+                </a:schemeClr>
+              </a:buClr>
+              <a:buSzPct val="80000"/>
+              <a:buFont typeface="Wingdings 3" charset="2"/>
+              <a:buNone/>
+              <a:defRPr sz="1400" b="0" i="0" kern="1200">
+                <a:solidFill>
+                  <a:schemeClr val="tx1">
+                    <a:tint val="75000"/>
+                  </a:schemeClr>
+                </a:solidFill>
+                <a:latin typeface="+mj-lt"/>
+                <a:ea typeface="+mj-ea"/>
+                <a:cs typeface="+mj-cs"/>
+              </a:defRPr>
+            </a:lvl5pPr>
+            <a:lvl6pPr marL="2286000" indent="0" algn="ctr" defTabSz="457200" rtl="0" eaLnBrk="1" latinLnBrk="1" hangingPunct="1">
+              <a:spcBef>
+                <a:spcPts val="1000"/>
+              </a:spcBef>
+              <a:spcAft>
+                <a:spcPts val="0"/>
+              </a:spcAft>
+              <a:buClr>
+                <a:schemeClr val="bg2">
+                  <a:lumMod val="40000"/>
+                  <a:lumOff val="60000"/>
+                </a:schemeClr>
+              </a:buClr>
+              <a:buSzPct val="80000"/>
+              <a:buFont typeface="Wingdings 3" charset="2"/>
+              <a:buNone/>
+              <a:defRPr sz="1400" b="0" i="0" kern="1200">
+                <a:solidFill>
+                  <a:schemeClr val="tx1">
+                    <a:tint val="75000"/>
+                  </a:schemeClr>
+                </a:solidFill>
+                <a:latin typeface="+mj-lt"/>
+                <a:ea typeface="+mj-ea"/>
+                <a:cs typeface="+mj-cs"/>
+              </a:defRPr>
+            </a:lvl6pPr>
+            <a:lvl7pPr marL="2743200" indent="0" algn="ctr" defTabSz="457200" rtl="0" eaLnBrk="1" latinLnBrk="1" hangingPunct="1">
+              <a:spcBef>
+                <a:spcPts val="1000"/>
+              </a:spcBef>
+              <a:spcAft>
+                <a:spcPts val="0"/>
+              </a:spcAft>
+              <a:buClr>
+                <a:schemeClr val="bg2">
+                  <a:lumMod val="40000"/>
+                  <a:lumOff val="60000"/>
+                </a:schemeClr>
+              </a:buClr>
+              <a:buSzPct val="80000"/>
+              <a:buFont typeface="Wingdings 3" charset="2"/>
+              <a:buNone/>
+              <a:defRPr sz="1400" b="0" i="0" kern="1200">
+                <a:solidFill>
+                  <a:schemeClr val="tx1">
+                    <a:tint val="75000"/>
+                  </a:schemeClr>
+                </a:solidFill>
+                <a:latin typeface="+mj-lt"/>
+                <a:ea typeface="+mj-ea"/>
+                <a:cs typeface="+mj-cs"/>
+              </a:defRPr>
+            </a:lvl7pPr>
+            <a:lvl8pPr marL="3200400" indent="0" algn="ctr" defTabSz="457200" rtl="0" eaLnBrk="1" latinLnBrk="1" hangingPunct="1">
+              <a:spcBef>
+                <a:spcPts val="1000"/>
+              </a:spcBef>
+              <a:spcAft>
+                <a:spcPts val="0"/>
+              </a:spcAft>
+              <a:buClr>
+                <a:schemeClr val="bg2">
+                  <a:lumMod val="40000"/>
+                  <a:lumOff val="60000"/>
+                </a:schemeClr>
+              </a:buClr>
+              <a:buSzPct val="80000"/>
+              <a:buFont typeface="Wingdings 3" charset="2"/>
+              <a:buNone/>
+              <a:defRPr sz="1400" b="0" i="0" kern="1200">
+                <a:solidFill>
+                  <a:schemeClr val="tx1">
+                    <a:tint val="75000"/>
+                  </a:schemeClr>
+                </a:solidFill>
+                <a:latin typeface="+mj-lt"/>
+                <a:ea typeface="+mj-ea"/>
+                <a:cs typeface="+mj-cs"/>
+              </a:defRPr>
+            </a:lvl8pPr>
+            <a:lvl9pPr marL="3657600" indent="0" algn="ctr" defTabSz="457200" rtl="0" eaLnBrk="1" latinLnBrk="1" hangingPunct="1">
+              <a:spcBef>
+                <a:spcPts val="1000"/>
+              </a:spcBef>
+              <a:spcAft>
+                <a:spcPts val="0"/>
+              </a:spcAft>
+              <a:buClr>
+                <a:schemeClr val="bg2">
+                  <a:lumMod val="40000"/>
+                  <a:lumOff val="60000"/>
+                </a:schemeClr>
+              </a:buClr>
+              <a:buSzPct val="80000"/>
+              <a:buFont typeface="Wingdings 3" charset="2"/>
+              <a:buNone/>
+              <a:defRPr sz="1400" b="0" i="0" kern="1200">
+                <a:solidFill>
+                  <a:schemeClr val="tx1">
+                    <a:tint val="75000"/>
+                  </a:schemeClr>
+                </a:solidFill>
+                <a:latin typeface="+mj-lt"/>
+                <a:ea typeface="+mj-ea"/>
+                <a:cs typeface="+mj-cs"/>
+              </a:defRPr>
+            </a:lvl9pPr>
+          </a:lstStyle>
+          <a:p>
+            <a:pPr algn="ctr"/>
+            <a:r>
+              <a:rPr lang="en-US" altLang="ko-KR" b="1" cap="none" dirty="0">
+                <a:solidFill>
+                  <a:schemeClr val="tx1"/>
+                </a:solidFill>
+              </a:rPr>
+              <a:t>Algorithm</a:t>
+            </a:r>
+          </a:p>
+        </p:txBody>
+      </p:sp>
+      <p:pic>
+        <p:nvPicPr>
+          <p:cNvPr id="2" name="그림 1">
+            <a:extLst>
+              <a:ext uri="{FF2B5EF4-FFF2-40B4-BE49-F238E27FC236}">
+                <a16:creationId xmlns:a16="http://schemas.microsoft.com/office/drawing/2014/main" id="{2F563D4F-B2C9-483F-9F69-AA441C2FDAC1}"/>
+              </a:ext>
+            </a:extLst>
+          </p:cNvPr>
+          <p:cNvPicPr>
+            <a:picLocks noChangeAspect="1"/>
+          </p:cNvPicPr>
+          <p:nvPr/>
+        </p:nvPicPr>
+        <p:blipFill>
+          <a:blip r:embed="rId2"/>
+          <a:stretch>
+            <a:fillRect/>
+          </a:stretch>
+        </p:blipFill>
+        <p:spPr>
+          <a:xfrm>
+            <a:off x="1426028" y="1273240"/>
+            <a:ext cx="9339943" cy="5355934"/>
+          </a:xfrm>
+          <a:prstGeom prst="rect">
+            <a:avLst/>
+          </a:prstGeom>
+        </p:spPr>
+      </p:pic>
+    </p:spTree>
+    <p:extLst>
+      <p:ext uri="{BB962C8B-B14F-4D97-AF65-F5344CB8AC3E}">
+        <p14:creationId xmlns:p14="http://schemas.microsoft.com/office/powerpoint/2010/main" val="4289701171"/>
+      </p:ext>
+    </p:extLst>
+  </p:cSld>
+  <p:clrMapOvr>
+    <a:masterClrMapping/>
+  </p:clrMapOvr>
+</p:sld>
+</file>
+
+<file path=ppt/slides/slide12.xml><?xml version="1.0" encoding="utf-8"?>
+<p:sld xmlns:a="http://schemas.openxmlformats.org/drawingml/2006/main" xmlns:r="http://schemas.openxmlformats.org/officeDocument/2006/relationships" xmlns:p="http://schemas.openxmlformats.org/presentationml/2006/main">
+  <p:cSld>
+    <p:spTree>
+      <p:nvGrpSpPr>
+        <p:cNvPr id="1" name=""/>
+        <p:cNvGrpSpPr/>
+        <p:nvPr/>
+      </p:nvGrpSpPr>
+      <p:grpSpPr>
+        <a:xfrm>
+          <a:off x="0" y="0"/>
+          <a:ext cx="0" cy="0"/>
+          <a:chOff x="0" y="0"/>
+          <a:chExt cx="0" cy="0"/>
+        </a:xfrm>
+      </p:grpSpPr>
+      <p:sp>
+        <p:nvSpPr>
+          <p:cNvPr id="4" name="부제목 3">
+            <a:extLst>
+              <a:ext uri="{FF2B5EF4-FFF2-40B4-BE49-F238E27FC236}">
+                <a16:creationId xmlns:a16="http://schemas.microsoft.com/office/drawing/2014/main" id="{109F72E8-008A-4ABD-A4A1-0836DEB3378D}"/>
+              </a:ext>
+            </a:extLst>
+          </p:cNvPr>
+          <p:cNvSpPr>
+            <a:spLocks noGrp="1"/>
+          </p:cNvSpPr>
+          <p:nvPr>
+            <p:ph type="subTitle" idx="1"/>
+          </p:nvPr>
+        </p:nvSpPr>
+        <p:spPr>
+          <a:xfrm>
+            <a:off x="303078" y="228826"/>
+            <a:ext cx="11685722" cy="861420"/>
+          </a:xfrm>
+        </p:spPr>
+        <p:txBody>
+          <a:bodyPr>
+            <a:normAutofit/>
+          </a:bodyPr>
+          <a:lstStyle/>
+          <a:p>
+            <a:pPr algn="ctr"/>
+            <a:r>
+              <a:rPr lang="ko-KR" altLang="en-US" sz="2400" b="1" dirty="0">
+                <a:solidFill>
+                  <a:schemeClr val="tx1"/>
+                </a:solidFill>
+              </a:rPr>
+              <a:t>결과</a:t>
+            </a:r>
+          </a:p>
+        </p:txBody>
+      </p:sp>
+      <p:sp>
+        <p:nvSpPr>
+          <p:cNvPr id="8" name="부제목 3">
+            <a:extLst>
+              <a:ext uri="{FF2B5EF4-FFF2-40B4-BE49-F238E27FC236}">
+                <a16:creationId xmlns:a16="http://schemas.microsoft.com/office/drawing/2014/main" id="{80F92FBB-A6B6-4EED-8020-8B37D6C61C4E}"/>
+              </a:ext>
+            </a:extLst>
+          </p:cNvPr>
+          <p:cNvSpPr txBox="1">
+            <a:spLocks/>
+          </p:cNvSpPr>
+          <p:nvPr/>
+        </p:nvSpPr>
+        <p:spPr>
+          <a:xfrm>
+            <a:off x="306985" y="834511"/>
+            <a:ext cx="11685722" cy="861420"/>
+          </a:xfrm>
+          <a:prstGeom prst="rect">
+            <a:avLst/>
+          </a:prstGeom>
+        </p:spPr>
+        <p:txBody>
+          <a:bodyPr vert="horz" lIns="91440" tIns="45720" rIns="91440" bIns="45720" rtlCol="0" anchor="t">
+            <a:normAutofit/>
+          </a:bodyPr>
+          <a:lstStyle>
+            <a:lvl1pPr marL="0" indent="0" algn="l" defTabSz="457200" rtl="0" eaLnBrk="1" latinLnBrk="1" hangingPunct="1">
+              <a:spcBef>
+                <a:spcPts val="1000"/>
+              </a:spcBef>
+              <a:spcAft>
+                <a:spcPts val="0"/>
+              </a:spcAft>
+              <a:buClr>
+                <a:schemeClr val="bg2">
+                  <a:lumMod val="40000"/>
+                  <a:lumOff val="60000"/>
+                </a:schemeClr>
+              </a:buClr>
+              <a:buSzPct val="80000"/>
+              <a:buFont typeface="Wingdings 3" charset="2"/>
+              <a:buNone/>
+              <a:defRPr sz="2000" b="0" i="0" kern="1200" cap="all">
+                <a:solidFill>
+                  <a:schemeClr val="bg2">
+                    <a:lumMod val="40000"/>
+                    <a:lumOff val="60000"/>
+                  </a:schemeClr>
+                </a:solidFill>
+                <a:latin typeface="+mj-lt"/>
+                <a:ea typeface="+mj-ea"/>
+                <a:cs typeface="+mj-cs"/>
+              </a:defRPr>
+            </a:lvl1pPr>
+            <a:lvl2pPr marL="457200" indent="0" algn="ctr" defTabSz="457200" rtl="0" eaLnBrk="1" latinLnBrk="1" hangingPunct="1">
+              <a:spcBef>
+                <a:spcPts val="1000"/>
+              </a:spcBef>
+              <a:spcAft>
+                <a:spcPts val="0"/>
+              </a:spcAft>
+              <a:buClr>
+                <a:schemeClr val="bg2">
+                  <a:lumMod val="40000"/>
+                  <a:lumOff val="60000"/>
+                </a:schemeClr>
+              </a:buClr>
+              <a:buSzPct val="80000"/>
+              <a:buFont typeface="Wingdings 3" charset="2"/>
+              <a:buNone/>
+              <a:defRPr sz="1800" b="0" i="0" kern="1200">
+                <a:solidFill>
+                  <a:schemeClr val="tx1">
+                    <a:tint val="75000"/>
+                  </a:schemeClr>
+                </a:solidFill>
+                <a:latin typeface="+mj-lt"/>
+                <a:ea typeface="+mj-ea"/>
+                <a:cs typeface="+mj-cs"/>
+              </a:defRPr>
+            </a:lvl2pPr>
+            <a:lvl3pPr marL="914400" indent="0" algn="ctr" defTabSz="457200" rtl="0" eaLnBrk="1" latinLnBrk="1" hangingPunct="1">
+              <a:spcBef>
+                <a:spcPts val="1000"/>
+              </a:spcBef>
+              <a:spcAft>
+                <a:spcPts val="0"/>
+              </a:spcAft>
+              <a:buClr>
+                <a:schemeClr val="bg2">
+                  <a:lumMod val="40000"/>
+                  <a:lumOff val="60000"/>
+                </a:schemeClr>
+              </a:buClr>
+              <a:buSzPct val="80000"/>
+              <a:buFont typeface="Wingdings 3" charset="2"/>
+              <a:buNone/>
+              <a:defRPr sz="1600" b="0" i="0" kern="1200">
+                <a:solidFill>
+                  <a:schemeClr val="tx1">
+                    <a:tint val="75000"/>
+                  </a:schemeClr>
+                </a:solidFill>
+                <a:latin typeface="+mj-lt"/>
+                <a:ea typeface="+mj-ea"/>
+                <a:cs typeface="+mj-cs"/>
+              </a:defRPr>
+            </a:lvl3pPr>
+            <a:lvl4pPr marL="1371600" indent="0" algn="ctr" defTabSz="457200" rtl="0" eaLnBrk="1" latinLnBrk="1" hangingPunct="1">
+              <a:spcBef>
+                <a:spcPts val="1000"/>
+              </a:spcBef>
+              <a:spcAft>
+                <a:spcPts val="0"/>
+              </a:spcAft>
+              <a:buClr>
+                <a:schemeClr val="bg2">
+                  <a:lumMod val="40000"/>
+                  <a:lumOff val="60000"/>
+                </a:schemeClr>
+              </a:buClr>
+              <a:buSzPct val="80000"/>
+              <a:buFont typeface="Wingdings 3" charset="2"/>
+              <a:buNone/>
+              <a:defRPr sz="1400" b="0" i="0" kern="1200">
+                <a:solidFill>
+                  <a:schemeClr val="tx1">
+                    <a:tint val="75000"/>
+                  </a:schemeClr>
+                </a:solidFill>
+                <a:latin typeface="+mj-lt"/>
+                <a:ea typeface="+mj-ea"/>
+                <a:cs typeface="+mj-cs"/>
+              </a:defRPr>
+            </a:lvl4pPr>
+            <a:lvl5pPr marL="1828800" indent="0" algn="ctr" defTabSz="457200" rtl="0" eaLnBrk="1" latinLnBrk="1" hangingPunct="1">
+              <a:spcBef>
+                <a:spcPts val="1000"/>
+              </a:spcBef>
+              <a:spcAft>
+                <a:spcPts val="0"/>
+              </a:spcAft>
+              <a:buClr>
+                <a:schemeClr val="bg2">
+                  <a:lumMod val="40000"/>
+                  <a:lumOff val="60000"/>
+                </a:schemeClr>
+              </a:buClr>
+              <a:buSzPct val="80000"/>
+              <a:buFont typeface="Wingdings 3" charset="2"/>
+              <a:buNone/>
+              <a:defRPr sz="1400" b="0" i="0" kern="1200">
+                <a:solidFill>
+                  <a:schemeClr val="tx1">
+                    <a:tint val="75000"/>
+                  </a:schemeClr>
+                </a:solidFill>
+                <a:latin typeface="+mj-lt"/>
+                <a:ea typeface="+mj-ea"/>
+                <a:cs typeface="+mj-cs"/>
+              </a:defRPr>
+            </a:lvl5pPr>
+            <a:lvl6pPr marL="2286000" indent="0" algn="ctr" defTabSz="457200" rtl="0" eaLnBrk="1" latinLnBrk="1" hangingPunct="1">
+              <a:spcBef>
+                <a:spcPts val="1000"/>
+              </a:spcBef>
+              <a:spcAft>
+                <a:spcPts val="0"/>
+              </a:spcAft>
+              <a:buClr>
+                <a:schemeClr val="bg2">
+                  <a:lumMod val="40000"/>
+                  <a:lumOff val="60000"/>
+                </a:schemeClr>
+              </a:buClr>
+              <a:buSzPct val="80000"/>
+              <a:buFont typeface="Wingdings 3" charset="2"/>
+              <a:buNone/>
+              <a:defRPr sz="1400" b="0" i="0" kern="1200">
+                <a:solidFill>
+                  <a:schemeClr val="tx1">
+                    <a:tint val="75000"/>
+                  </a:schemeClr>
+                </a:solidFill>
+                <a:latin typeface="+mj-lt"/>
+                <a:ea typeface="+mj-ea"/>
+                <a:cs typeface="+mj-cs"/>
+              </a:defRPr>
+            </a:lvl6pPr>
+            <a:lvl7pPr marL="2743200" indent="0" algn="ctr" defTabSz="457200" rtl="0" eaLnBrk="1" latinLnBrk="1" hangingPunct="1">
+              <a:spcBef>
+                <a:spcPts val="1000"/>
+              </a:spcBef>
+              <a:spcAft>
+                <a:spcPts val="0"/>
+              </a:spcAft>
+              <a:buClr>
+                <a:schemeClr val="bg2">
+                  <a:lumMod val="40000"/>
+                  <a:lumOff val="60000"/>
+                </a:schemeClr>
+              </a:buClr>
+              <a:buSzPct val="80000"/>
+              <a:buFont typeface="Wingdings 3" charset="2"/>
+              <a:buNone/>
+              <a:defRPr sz="1400" b="0" i="0" kern="1200">
+                <a:solidFill>
+                  <a:schemeClr val="tx1">
+                    <a:tint val="75000"/>
+                  </a:schemeClr>
+                </a:solidFill>
+                <a:latin typeface="+mj-lt"/>
+                <a:ea typeface="+mj-ea"/>
+                <a:cs typeface="+mj-cs"/>
+              </a:defRPr>
+            </a:lvl7pPr>
+            <a:lvl8pPr marL="3200400" indent="0" algn="ctr" defTabSz="457200" rtl="0" eaLnBrk="1" latinLnBrk="1" hangingPunct="1">
+              <a:spcBef>
+                <a:spcPts val="1000"/>
+              </a:spcBef>
+              <a:spcAft>
+                <a:spcPts val="0"/>
+              </a:spcAft>
+              <a:buClr>
+                <a:schemeClr val="bg2">
+                  <a:lumMod val="40000"/>
+                  <a:lumOff val="60000"/>
+                </a:schemeClr>
+              </a:buClr>
+              <a:buSzPct val="80000"/>
+              <a:buFont typeface="Wingdings 3" charset="2"/>
+              <a:buNone/>
+              <a:defRPr sz="1400" b="0" i="0" kern="1200">
+                <a:solidFill>
+                  <a:schemeClr val="tx1">
+                    <a:tint val="75000"/>
+                  </a:schemeClr>
+                </a:solidFill>
+                <a:latin typeface="+mj-lt"/>
+                <a:ea typeface="+mj-ea"/>
+                <a:cs typeface="+mj-cs"/>
+              </a:defRPr>
+            </a:lvl8pPr>
+            <a:lvl9pPr marL="3657600" indent="0" algn="ctr" defTabSz="457200" rtl="0" eaLnBrk="1" latinLnBrk="1" hangingPunct="1">
+              <a:spcBef>
+                <a:spcPts val="1000"/>
+              </a:spcBef>
+              <a:spcAft>
+                <a:spcPts val="0"/>
+              </a:spcAft>
+              <a:buClr>
+                <a:schemeClr val="bg2">
+                  <a:lumMod val="40000"/>
+                  <a:lumOff val="60000"/>
+                </a:schemeClr>
+              </a:buClr>
+              <a:buSzPct val="80000"/>
+              <a:buFont typeface="Wingdings 3" charset="2"/>
+              <a:buNone/>
+              <a:defRPr sz="1400" b="0" i="0" kern="1200">
+                <a:solidFill>
+                  <a:schemeClr val="tx1">
+                    <a:tint val="75000"/>
+                  </a:schemeClr>
+                </a:solidFill>
+                <a:latin typeface="+mj-lt"/>
+                <a:ea typeface="+mj-ea"/>
+                <a:cs typeface="+mj-cs"/>
+              </a:defRPr>
+            </a:lvl9pPr>
+          </a:lstStyle>
+          <a:p>
+            <a:pPr algn="ctr"/>
+            <a:r>
+              <a:rPr lang="en-US" altLang="ko-KR" b="1" cap="none" dirty="0">
+                <a:solidFill>
+                  <a:schemeClr val="tx1"/>
+                </a:solidFill>
+              </a:rPr>
+              <a:t>Algorithm </a:t>
+            </a:r>
+            <a:r>
+              <a:rPr lang="ko-KR" altLang="en-US" b="1" cap="none" dirty="0">
+                <a:solidFill>
+                  <a:schemeClr val="tx1"/>
+                </a:solidFill>
+              </a:rPr>
+              <a:t>제작 과정</a:t>
+            </a:r>
+            <a:endParaRPr lang="en-US" altLang="ko-KR" b="1" cap="none" dirty="0">
+              <a:solidFill>
+                <a:schemeClr val="tx1"/>
+              </a:solidFill>
+            </a:endParaRPr>
+          </a:p>
+        </p:txBody>
+      </p:sp>
+      <p:sp>
+        <p:nvSpPr>
+          <p:cNvPr id="3" name="TextBox 2">
+            <a:extLst>
+              <a:ext uri="{FF2B5EF4-FFF2-40B4-BE49-F238E27FC236}">
+                <a16:creationId xmlns:a16="http://schemas.microsoft.com/office/drawing/2014/main" id="{EDE3F272-C5BC-4A82-B4C6-63FB1D02C7A4}"/>
+              </a:ext>
+            </a:extLst>
+          </p:cNvPr>
+          <p:cNvSpPr txBox="1"/>
+          <p:nvPr/>
+        </p:nvSpPr>
+        <p:spPr>
+          <a:xfrm>
+            <a:off x="4914153" y="2639003"/>
+            <a:ext cx="3563815" cy="646331"/>
+          </a:xfrm>
+          <a:prstGeom prst="rect">
+            <a:avLst/>
+          </a:prstGeom>
+          <a:noFill/>
+        </p:spPr>
+        <p:txBody>
+          <a:bodyPr wrap="square" rtlCol="0">
+            <a:spAutoFit/>
+          </a:bodyPr>
+          <a:lstStyle/>
+          <a:p>
+            <a:r>
+              <a:rPr lang="ko-KR" altLang="en-US" b="1" dirty="0"/>
+              <a:t>가중치와 </a:t>
+            </a:r>
+            <a:r>
+              <a:rPr lang="en-US" altLang="ko-KR" b="1" dirty="0"/>
+              <a:t>Key word</a:t>
+            </a:r>
+            <a:r>
+              <a:rPr lang="ko-KR" altLang="en-US" b="1" dirty="0"/>
+              <a:t>를 </a:t>
+            </a:r>
+            <a:r>
+              <a:rPr lang="en-US" altLang="ko-KR" b="1" dirty="0"/>
+              <a:t>dictionary</a:t>
+            </a:r>
+            <a:r>
+              <a:rPr lang="ko-KR" altLang="en-US" b="1" dirty="0"/>
+              <a:t>형태로 저장</a:t>
+            </a:r>
+          </a:p>
+        </p:txBody>
+      </p:sp>
+      <p:sp>
+        <p:nvSpPr>
+          <p:cNvPr id="5" name="사각형: 둥근 모서리 4">
+            <a:extLst>
+              <a:ext uri="{FF2B5EF4-FFF2-40B4-BE49-F238E27FC236}">
+                <a16:creationId xmlns:a16="http://schemas.microsoft.com/office/drawing/2014/main" id="{22697E57-BFA3-457D-BCC7-E30F33D87BA7}"/>
+              </a:ext>
+            </a:extLst>
+          </p:cNvPr>
+          <p:cNvSpPr/>
+          <p:nvPr/>
+        </p:nvSpPr>
+        <p:spPr>
+          <a:xfrm>
+            <a:off x="4359262" y="2487392"/>
+            <a:ext cx="3892061" cy="949554"/>
+          </a:xfrm>
+          <a:prstGeom prst="roundRect">
+            <a:avLst/>
+          </a:prstGeom>
+          <a:noFill/>
+          <a:ln>
+            <a:solidFill>
+              <a:schemeClr val="tx1">
+                <a:lumMod val="50000"/>
+                <a:lumOff val="50000"/>
+              </a:schemeClr>
+            </a:solidFill>
+          </a:ln>
+        </p:spPr>
+        <p:style>
+          <a:lnRef idx="2">
+            <a:schemeClr val="accent1">
+              <a:shade val="50000"/>
+            </a:schemeClr>
+          </a:lnRef>
+          <a:fillRef idx="1">
+            <a:schemeClr val="accent1"/>
+          </a:fillRef>
+          <a:effectRef idx="0">
+            <a:schemeClr val="accent1"/>
+          </a:effectRef>
+          <a:fontRef idx="minor">
+            <a:schemeClr val="lt1"/>
+          </a:fontRef>
+        </p:style>
+        <p:txBody>
+          <a:bodyPr rtlCol="0" anchor="ctr"/>
+          <a:lstStyle/>
+          <a:p>
+            <a:pPr algn="ctr"/>
+            <a:endParaRPr lang="ko-KR" altLang="en-US"/>
+          </a:p>
+        </p:txBody>
+      </p:sp>
+      <p:pic>
+        <p:nvPicPr>
+          <p:cNvPr id="7" name="그림 6">
+            <a:extLst>
+              <a:ext uri="{FF2B5EF4-FFF2-40B4-BE49-F238E27FC236}">
+                <a16:creationId xmlns:a16="http://schemas.microsoft.com/office/drawing/2014/main" id="{BEB2386E-BED1-4565-8A1A-C65AC6D7F8FF}"/>
+              </a:ext>
+            </a:extLst>
+          </p:cNvPr>
+          <p:cNvPicPr>
+            <a:picLocks noChangeAspect="1"/>
+          </p:cNvPicPr>
+          <p:nvPr/>
+        </p:nvPicPr>
+        <p:blipFill>
+          <a:blip r:embed="rId2"/>
+          <a:stretch>
+            <a:fillRect/>
+          </a:stretch>
+        </p:blipFill>
+        <p:spPr>
+          <a:xfrm>
+            <a:off x="371133" y="1729158"/>
+            <a:ext cx="11625481" cy="443882"/>
+          </a:xfrm>
+          <a:prstGeom prst="rect">
+            <a:avLst/>
+          </a:prstGeom>
+        </p:spPr>
+      </p:pic>
+      <p:pic>
+        <p:nvPicPr>
+          <p:cNvPr id="9" name="그림 8">
+            <a:extLst>
+              <a:ext uri="{FF2B5EF4-FFF2-40B4-BE49-F238E27FC236}">
+                <a16:creationId xmlns:a16="http://schemas.microsoft.com/office/drawing/2014/main" id="{F1A25D3E-6FD1-470F-A0B8-E3B7B5A4C802}"/>
+              </a:ext>
+            </a:extLst>
+          </p:cNvPr>
+          <p:cNvPicPr>
+            <a:picLocks noChangeAspect="1"/>
+          </p:cNvPicPr>
+          <p:nvPr/>
+        </p:nvPicPr>
+        <p:blipFill>
+          <a:blip r:embed="rId3"/>
+          <a:stretch>
+            <a:fillRect/>
+          </a:stretch>
+        </p:blipFill>
+        <p:spPr>
+          <a:xfrm>
+            <a:off x="1187939" y="3502065"/>
+            <a:ext cx="10087938" cy="1448449"/>
+          </a:xfrm>
+          <a:prstGeom prst="rect">
+            <a:avLst/>
+          </a:prstGeom>
+        </p:spPr>
+      </p:pic>
+      <p:pic>
+        <p:nvPicPr>
+          <p:cNvPr id="10" name="그림 9">
+            <a:extLst>
+              <a:ext uri="{FF2B5EF4-FFF2-40B4-BE49-F238E27FC236}">
+                <a16:creationId xmlns:a16="http://schemas.microsoft.com/office/drawing/2014/main" id="{69E577A4-2BAE-48B7-A3E8-8E7613C5F3FD}"/>
+              </a:ext>
+            </a:extLst>
+          </p:cNvPr>
+          <p:cNvPicPr>
+            <a:picLocks noChangeAspect="1"/>
+          </p:cNvPicPr>
+          <p:nvPr/>
+        </p:nvPicPr>
+        <p:blipFill>
+          <a:blip r:embed="rId4"/>
+          <a:stretch>
+            <a:fillRect/>
+          </a:stretch>
+        </p:blipFill>
+        <p:spPr>
+          <a:xfrm>
+            <a:off x="1187939" y="5274384"/>
+            <a:ext cx="10087938" cy="1159784"/>
+          </a:xfrm>
+          <a:prstGeom prst="rect">
+            <a:avLst/>
+          </a:prstGeom>
+        </p:spPr>
+      </p:pic>
+    </p:spTree>
+    <p:extLst>
+      <p:ext uri="{BB962C8B-B14F-4D97-AF65-F5344CB8AC3E}">
+        <p14:creationId xmlns:p14="http://schemas.microsoft.com/office/powerpoint/2010/main" val="1081092484"/>
+      </p:ext>
+    </p:extLst>
+  </p:cSld>
+  <p:clrMapOvr>
+    <a:masterClrMapping/>
+  </p:clrMapOvr>
+</p:sld>
+</file>
+
+<file path=ppt/slides/slide13.xml><?xml version="1.0" encoding="utf-8"?>
+<p:sld xmlns:a="http://schemas.openxmlformats.org/drawingml/2006/main" xmlns:r="http://schemas.openxmlformats.org/officeDocument/2006/relationships" xmlns:p="http://schemas.openxmlformats.org/presentationml/2006/main">
+  <p:cSld>
+    <p:spTree>
+      <p:nvGrpSpPr>
+        <p:cNvPr id="1" name=""/>
+        <p:cNvGrpSpPr/>
+        <p:nvPr/>
+      </p:nvGrpSpPr>
+      <p:grpSpPr>
+        <a:xfrm>
+          <a:off x="0" y="0"/>
+          <a:ext cx="0" cy="0"/>
+          <a:chOff x="0" y="0"/>
+          <a:chExt cx="0" cy="0"/>
+        </a:xfrm>
+      </p:grpSpPr>
+      <p:sp>
+        <p:nvSpPr>
+          <p:cNvPr id="4" name="부제목 3">
+            <a:extLst>
+              <a:ext uri="{FF2B5EF4-FFF2-40B4-BE49-F238E27FC236}">
+                <a16:creationId xmlns:a16="http://schemas.microsoft.com/office/drawing/2014/main" id="{109F72E8-008A-4ABD-A4A1-0836DEB3378D}"/>
+              </a:ext>
+            </a:extLst>
+          </p:cNvPr>
+          <p:cNvSpPr>
+            <a:spLocks noGrp="1"/>
+          </p:cNvSpPr>
+          <p:nvPr>
+            <p:ph type="subTitle" idx="1"/>
+          </p:nvPr>
+        </p:nvSpPr>
+        <p:spPr>
+          <a:xfrm>
+            <a:off x="303078" y="228826"/>
+            <a:ext cx="11685722" cy="861420"/>
+          </a:xfrm>
+        </p:spPr>
+        <p:txBody>
+          <a:bodyPr>
+            <a:normAutofit/>
+          </a:bodyPr>
+          <a:lstStyle/>
+          <a:p>
+            <a:pPr algn="ctr"/>
+            <a:r>
+              <a:rPr lang="ko-KR" altLang="en-US" sz="2400" b="1" dirty="0">
+                <a:solidFill>
+                  <a:schemeClr val="tx1"/>
+                </a:solidFill>
+              </a:rPr>
+              <a:t>결과</a:t>
+            </a:r>
+          </a:p>
+        </p:txBody>
+      </p:sp>
+      <p:sp>
+        <p:nvSpPr>
+          <p:cNvPr id="8" name="부제목 3">
+            <a:extLst>
+              <a:ext uri="{FF2B5EF4-FFF2-40B4-BE49-F238E27FC236}">
+                <a16:creationId xmlns:a16="http://schemas.microsoft.com/office/drawing/2014/main" id="{80F92FBB-A6B6-4EED-8020-8B37D6C61C4E}"/>
+              </a:ext>
+            </a:extLst>
+          </p:cNvPr>
+          <p:cNvSpPr txBox="1">
+            <a:spLocks/>
+          </p:cNvSpPr>
+          <p:nvPr/>
+        </p:nvSpPr>
+        <p:spPr>
+          <a:xfrm>
+            <a:off x="306985" y="834511"/>
+            <a:ext cx="11685722" cy="861420"/>
+          </a:xfrm>
+          <a:prstGeom prst="rect">
+            <a:avLst/>
+          </a:prstGeom>
+        </p:spPr>
+        <p:txBody>
+          <a:bodyPr vert="horz" lIns="91440" tIns="45720" rIns="91440" bIns="45720" rtlCol="0" anchor="t">
+            <a:normAutofit/>
+          </a:bodyPr>
+          <a:lstStyle>
+            <a:lvl1pPr marL="0" indent="0" algn="l" defTabSz="457200" rtl="0" eaLnBrk="1" latinLnBrk="1" hangingPunct="1">
+              <a:spcBef>
+                <a:spcPts val="1000"/>
+              </a:spcBef>
+              <a:spcAft>
+                <a:spcPts val="0"/>
+              </a:spcAft>
+              <a:buClr>
+                <a:schemeClr val="bg2">
+                  <a:lumMod val="40000"/>
+                  <a:lumOff val="60000"/>
+                </a:schemeClr>
+              </a:buClr>
+              <a:buSzPct val="80000"/>
+              <a:buFont typeface="Wingdings 3" charset="2"/>
+              <a:buNone/>
+              <a:defRPr sz="2000" b="0" i="0" kern="1200" cap="all">
+                <a:solidFill>
+                  <a:schemeClr val="bg2">
+                    <a:lumMod val="40000"/>
+                    <a:lumOff val="60000"/>
+                  </a:schemeClr>
+                </a:solidFill>
+                <a:latin typeface="+mj-lt"/>
+                <a:ea typeface="+mj-ea"/>
+                <a:cs typeface="+mj-cs"/>
+              </a:defRPr>
+            </a:lvl1pPr>
+            <a:lvl2pPr marL="457200" indent="0" algn="ctr" defTabSz="457200" rtl="0" eaLnBrk="1" latinLnBrk="1" hangingPunct="1">
+              <a:spcBef>
+                <a:spcPts val="1000"/>
+              </a:spcBef>
+              <a:spcAft>
+                <a:spcPts val="0"/>
+              </a:spcAft>
+              <a:buClr>
+                <a:schemeClr val="bg2">
+                  <a:lumMod val="40000"/>
+                  <a:lumOff val="60000"/>
+                </a:schemeClr>
+              </a:buClr>
+              <a:buSzPct val="80000"/>
+              <a:buFont typeface="Wingdings 3" charset="2"/>
+              <a:buNone/>
+              <a:defRPr sz="1800" b="0" i="0" kern="1200">
+                <a:solidFill>
+                  <a:schemeClr val="tx1">
+                    <a:tint val="75000"/>
+                  </a:schemeClr>
+                </a:solidFill>
+                <a:latin typeface="+mj-lt"/>
+                <a:ea typeface="+mj-ea"/>
+                <a:cs typeface="+mj-cs"/>
+              </a:defRPr>
+            </a:lvl2pPr>
+            <a:lvl3pPr marL="914400" indent="0" algn="ctr" defTabSz="457200" rtl="0" eaLnBrk="1" latinLnBrk="1" hangingPunct="1">
+              <a:spcBef>
+                <a:spcPts val="1000"/>
+              </a:spcBef>
+              <a:spcAft>
+                <a:spcPts val="0"/>
+              </a:spcAft>
+              <a:buClr>
+                <a:schemeClr val="bg2">
+                  <a:lumMod val="40000"/>
+                  <a:lumOff val="60000"/>
+                </a:schemeClr>
+              </a:buClr>
+              <a:buSzPct val="80000"/>
+              <a:buFont typeface="Wingdings 3" charset="2"/>
+              <a:buNone/>
+              <a:defRPr sz="1600" b="0" i="0" kern="1200">
+                <a:solidFill>
+                  <a:schemeClr val="tx1">
+                    <a:tint val="75000"/>
+                  </a:schemeClr>
+                </a:solidFill>
+                <a:latin typeface="+mj-lt"/>
+                <a:ea typeface="+mj-ea"/>
+                <a:cs typeface="+mj-cs"/>
+              </a:defRPr>
+            </a:lvl3pPr>
+            <a:lvl4pPr marL="1371600" indent="0" algn="ctr" defTabSz="457200" rtl="0" eaLnBrk="1" latinLnBrk="1" hangingPunct="1">
+              <a:spcBef>
+                <a:spcPts val="1000"/>
+              </a:spcBef>
+              <a:spcAft>
+                <a:spcPts val="0"/>
+              </a:spcAft>
+              <a:buClr>
+                <a:schemeClr val="bg2">
+                  <a:lumMod val="40000"/>
+                  <a:lumOff val="60000"/>
+                </a:schemeClr>
+              </a:buClr>
+              <a:buSzPct val="80000"/>
+              <a:buFont typeface="Wingdings 3" charset="2"/>
+              <a:buNone/>
+              <a:defRPr sz="1400" b="0" i="0" kern="1200">
+                <a:solidFill>
+                  <a:schemeClr val="tx1">
+                    <a:tint val="75000"/>
+                  </a:schemeClr>
+                </a:solidFill>
+                <a:latin typeface="+mj-lt"/>
+                <a:ea typeface="+mj-ea"/>
+                <a:cs typeface="+mj-cs"/>
+              </a:defRPr>
+            </a:lvl4pPr>
+            <a:lvl5pPr marL="1828800" indent="0" algn="ctr" defTabSz="457200" rtl="0" eaLnBrk="1" latinLnBrk="1" hangingPunct="1">
+              <a:spcBef>
+                <a:spcPts val="1000"/>
+              </a:spcBef>
+              <a:spcAft>
+                <a:spcPts val="0"/>
+              </a:spcAft>
+              <a:buClr>
+                <a:schemeClr val="bg2">
+                  <a:lumMod val="40000"/>
+                  <a:lumOff val="60000"/>
+                </a:schemeClr>
+              </a:buClr>
+              <a:buSzPct val="80000"/>
+              <a:buFont typeface="Wingdings 3" charset="2"/>
+              <a:buNone/>
+              <a:defRPr sz="1400" b="0" i="0" kern="1200">
+                <a:solidFill>
+                  <a:schemeClr val="tx1">
+                    <a:tint val="75000"/>
+                  </a:schemeClr>
+                </a:solidFill>
+                <a:latin typeface="+mj-lt"/>
+                <a:ea typeface="+mj-ea"/>
+                <a:cs typeface="+mj-cs"/>
+              </a:defRPr>
+            </a:lvl5pPr>
+            <a:lvl6pPr marL="2286000" indent="0" algn="ctr" defTabSz="457200" rtl="0" eaLnBrk="1" latinLnBrk="1" hangingPunct="1">
+              <a:spcBef>
+                <a:spcPts val="1000"/>
+              </a:spcBef>
+              <a:spcAft>
+                <a:spcPts val="0"/>
+              </a:spcAft>
+              <a:buClr>
+                <a:schemeClr val="bg2">
+                  <a:lumMod val="40000"/>
+                  <a:lumOff val="60000"/>
+                </a:schemeClr>
+              </a:buClr>
+              <a:buSzPct val="80000"/>
+              <a:buFont typeface="Wingdings 3" charset="2"/>
+              <a:buNone/>
+              <a:defRPr sz="1400" b="0" i="0" kern="1200">
+                <a:solidFill>
+                  <a:schemeClr val="tx1">
+                    <a:tint val="75000"/>
+                  </a:schemeClr>
+                </a:solidFill>
+                <a:latin typeface="+mj-lt"/>
+                <a:ea typeface="+mj-ea"/>
+                <a:cs typeface="+mj-cs"/>
+              </a:defRPr>
+            </a:lvl6pPr>
+            <a:lvl7pPr marL="2743200" indent="0" algn="ctr" defTabSz="457200" rtl="0" eaLnBrk="1" latinLnBrk="1" hangingPunct="1">
+              <a:spcBef>
+                <a:spcPts val="1000"/>
+              </a:spcBef>
+              <a:spcAft>
+                <a:spcPts val="0"/>
+              </a:spcAft>
+              <a:buClr>
+                <a:schemeClr val="bg2">
+                  <a:lumMod val="40000"/>
+                  <a:lumOff val="60000"/>
+                </a:schemeClr>
+              </a:buClr>
+              <a:buSzPct val="80000"/>
+              <a:buFont typeface="Wingdings 3" charset="2"/>
+              <a:buNone/>
+              <a:defRPr sz="1400" b="0" i="0" kern="1200">
+                <a:solidFill>
+                  <a:schemeClr val="tx1">
+                    <a:tint val="75000"/>
+                  </a:schemeClr>
+                </a:solidFill>
+                <a:latin typeface="+mj-lt"/>
+                <a:ea typeface="+mj-ea"/>
+                <a:cs typeface="+mj-cs"/>
+              </a:defRPr>
+            </a:lvl7pPr>
+            <a:lvl8pPr marL="3200400" indent="0" algn="ctr" defTabSz="457200" rtl="0" eaLnBrk="1" latinLnBrk="1" hangingPunct="1">
+              <a:spcBef>
+                <a:spcPts val="1000"/>
+              </a:spcBef>
+              <a:spcAft>
+                <a:spcPts val="0"/>
+              </a:spcAft>
+              <a:buClr>
+                <a:schemeClr val="bg2">
+                  <a:lumMod val="40000"/>
+                  <a:lumOff val="60000"/>
+                </a:schemeClr>
+              </a:buClr>
+              <a:buSzPct val="80000"/>
+              <a:buFont typeface="Wingdings 3" charset="2"/>
+              <a:buNone/>
+              <a:defRPr sz="1400" b="0" i="0" kern="1200">
+                <a:solidFill>
+                  <a:schemeClr val="tx1">
+                    <a:tint val="75000"/>
+                  </a:schemeClr>
+                </a:solidFill>
+                <a:latin typeface="+mj-lt"/>
+                <a:ea typeface="+mj-ea"/>
+                <a:cs typeface="+mj-cs"/>
+              </a:defRPr>
+            </a:lvl8pPr>
+            <a:lvl9pPr marL="3657600" indent="0" algn="ctr" defTabSz="457200" rtl="0" eaLnBrk="1" latinLnBrk="1" hangingPunct="1">
+              <a:spcBef>
+                <a:spcPts val="1000"/>
+              </a:spcBef>
+              <a:spcAft>
+                <a:spcPts val="0"/>
+              </a:spcAft>
+              <a:buClr>
+                <a:schemeClr val="bg2">
+                  <a:lumMod val="40000"/>
+                  <a:lumOff val="60000"/>
+                </a:schemeClr>
+              </a:buClr>
+              <a:buSzPct val="80000"/>
+              <a:buFont typeface="Wingdings 3" charset="2"/>
+              <a:buNone/>
+              <a:defRPr sz="1400" b="0" i="0" kern="1200">
+                <a:solidFill>
+                  <a:schemeClr val="tx1">
+                    <a:tint val="75000"/>
+                  </a:schemeClr>
+                </a:solidFill>
+                <a:latin typeface="+mj-lt"/>
+                <a:ea typeface="+mj-ea"/>
+                <a:cs typeface="+mj-cs"/>
+              </a:defRPr>
+            </a:lvl9pPr>
+          </a:lstStyle>
+          <a:p>
+            <a:pPr algn="ctr"/>
+            <a:r>
+              <a:rPr lang="en-US" altLang="ko-KR" b="1" cap="none" dirty="0">
+                <a:solidFill>
+                  <a:schemeClr val="tx1"/>
+                </a:solidFill>
+              </a:rPr>
+              <a:t>Algorithm </a:t>
+            </a:r>
+            <a:r>
+              <a:rPr lang="ko-KR" altLang="en-US" b="1" cap="none" dirty="0">
+                <a:solidFill>
+                  <a:schemeClr val="tx1"/>
+                </a:solidFill>
+              </a:rPr>
+              <a:t>제작 과정</a:t>
+            </a:r>
+            <a:endParaRPr lang="en-US" altLang="ko-KR" b="1" cap="none" dirty="0">
+              <a:solidFill>
+                <a:schemeClr val="tx1"/>
+              </a:solidFill>
+            </a:endParaRPr>
+          </a:p>
+        </p:txBody>
+      </p:sp>
+      <p:pic>
+        <p:nvPicPr>
+          <p:cNvPr id="11" name="그림 10">
+            <a:extLst>
+              <a:ext uri="{FF2B5EF4-FFF2-40B4-BE49-F238E27FC236}">
+                <a16:creationId xmlns:a16="http://schemas.microsoft.com/office/drawing/2014/main" id="{DB6891E2-4906-4C78-AA8D-7FB88200BD46}"/>
+              </a:ext>
+            </a:extLst>
+          </p:cNvPr>
+          <p:cNvPicPr>
+            <a:picLocks noChangeAspect="1"/>
+          </p:cNvPicPr>
+          <p:nvPr/>
+        </p:nvPicPr>
+        <p:blipFill>
+          <a:blip r:embed="rId2">
+            <a:extLst>
+              <a:ext uri="{28A0092B-C50C-407E-A947-70E740481C1C}">
+                <a14:useLocalDpi xmlns:a14="http://schemas.microsoft.com/office/drawing/2010/main" val="0"/>
+              </a:ext>
+            </a:extLst>
+          </a:blip>
+          <a:stretch>
+            <a:fillRect/>
+          </a:stretch>
+        </p:blipFill>
+        <p:spPr>
+          <a:xfrm>
+            <a:off x="7163280" y="1322681"/>
+            <a:ext cx="2298948" cy="2298948"/>
+          </a:xfrm>
+          <a:prstGeom prst="rect">
+            <a:avLst/>
+          </a:prstGeom>
+        </p:spPr>
+      </p:pic>
+      <p:sp>
+        <p:nvSpPr>
+          <p:cNvPr id="12" name="부제목 3">
+            <a:extLst>
+              <a:ext uri="{FF2B5EF4-FFF2-40B4-BE49-F238E27FC236}">
+                <a16:creationId xmlns:a16="http://schemas.microsoft.com/office/drawing/2014/main" id="{07F033A7-D818-490F-A31E-E4AB278B529C}"/>
+              </a:ext>
+            </a:extLst>
+          </p:cNvPr>
+          <p:cNvSpPr txBox="1">
+            <a:spLocks/>
+          </p:cNvSpPr>
+          <p:nvPr/>
+        </p:nvSpPr>
+        <p:spPr>
+          <a:xfrm>
+            <a:off x="1326160" y="1699825"/>
+            <a:ext cx="3230933" cy="758085"/>
+          </a:xfrm>
+          <a:prstGeom prst="rect">
+            <a:avLst/>
+          </a:prstGeom>
+        </p:spPr>
+        <p:txBody>
+          <a:bodyPr vert="horz" lIns="91440" tIns="45720" rIns="91440" bIns="45720" rtlCol="0" anchor="t">
+            <a:normAutofit fontScale="85000" lnSpcReduction="10000"/>
+          </a:bodyPr>
+          <a:lstStyle>
+            <a:lvl1pPr marL="0" indent="0" algn="l" defTabSz="457200" rtl="0" eaLnBrk="1" latinLnBrk="1" hangingPunct="1">
+              <a:spcBef>
+                <a:spcPts val="1000"/>
+              </a:spcBef>
+              <a:spcAft>
+                <a:spcPts val="0"/>
+              </a:spcAft>
+              <a:buClr>
+                <a:schemeClr val="bg2">
+                  <a:lumMod val="40000"/>
+                  <a:lumOff val="60000"/>
+                </a:schemeClr>
+              </a:buClr>
+              <a:buSzPct val="80000"/>
+              <a:buFont typeface="Wingdings 3" charset="2"/>
+              <a:buNone/>
+              <a:defRPr sz="2000" b="0" i="0" kern="1200" cap="all">
+                <a:solidFill>
+                  <a:schemeClr val="bg2">
+                    <a:lumMod val="40000"/>
+                    <a:lumOff val="60000"/>
+                  </a:schemeClr>
+                </a:solidFill>
+                <a:latin typeface="+mj-lt"/>
+                <a:ea typeface="+mj-ea"/>
+                <a:cs typeface="+mj-cs"/>
+              </a:defRPr>
+            </a:lvl1pPr>
+            <a:lvl2pPr marL="457200" indent="0" algn="ctr" defTabSz="457200" rtl="0" eaLnBrk="1" latinLnBrk="1" hangingPunct="1">
+              <a:spcBef>
+                <a:spcPts val="1000"/>
+              </a:spcBef>
+              <a:spcAft>
+                <a:spcPts val="0"/>
+              </a:spcAft>
+              <a:buClr>
+                <a:schemeClr val="bg2">
+                  <a:lumMod val="40000"/>
+                  <a:lumOff val="60000"/>
+                </a:schemeClr>
+              </a:buClr>
+              <a:buSzPct val="80000"/>
+              <a:buFont typeface="Wingdings 3" charset="2"/>
+              <a:buNone/>
+              <a:defRPr sz="1800" b="0" i="0" kern="1200">
+                <a:solidFill>
+                  <a:schemeClr val="tx1">
+                    <a:tint val="75000"/>
+                  </a:schemeClr>
+                </a:solidFill>
+                <a:latin typeface="+mj-lt"/>
+                <a:ea typeface="+mj-ea"/>
+                <a:cs typeface="+mj-cs"/>
+              </a:defRPr>
+            </a:lvl2pPr>
+            <a:lvl3pPr marL="914400" indent="0" algn="ctr" defTabSz="457200" rtl="0" eaLnBrk="1" latinLnBrk="1" hangingPunct="1">
+              <a:spcBef>
+                <a:spcPts val="1000"/>
+              </a:spcBef>
+              <a:spcAft>
+                <a:spcPts val="0"/>
+              </a:spcAft>
+              <a:buClr>
+                <a:schemeClr val="bg2">
+                  <a:lumMod val="40000"/>
+                  <a:lumOff val="60000"/>
+                </a:schemeClr>
+              </a:buClr>
+              <a:buSzPct val="80000"/>
+              <a:buFont typeface="Wingdings 3" charset="2"/>
+              <a:buNone/>
+              <a:defRPr sz="1600" b="0" i="0" kern="1200">
+                <a:solidFill>
+                  <a:schemeClr val="tx1">
+                    <a:tint val="75000"/>
+                  </a:schemeClr>
+                </a:solidFill>
+                <a:latin typeface="+mj-lt"/>
+                <a:ea typeface="+mj-ea"/>
+                <a:cs typeface="+mj-cs"/>
+              </a:defRPr>
+            </a:lvl3pPr>
+            <a:lvl4pPr marL="1371600" indent="0" algn="ctr" defTabSz="457200" rtl="0" eaLnBrk="1" latinLnBrk="1" hangingPunct="1">
+              <a:spcBef>
+                <a:spcPts val="1000"/>
+              </a:spcBef>
+              <a:spcAft>
+                <a:spcPts val="0"/>
+              </a:spcAft>
+              <a:buClr>
+                <a:schemeClr val="bg2">
+                  <a:lumMod val="40000"/>
+                  <a:lumOff val="60000"/>
+                </a:schemeClr>
+              </a:buClr>
+              <a:buSzPct val="80000"/>
+              <a:buFont typeface="Wingdings 3" charset="2"/>
+              <a:buNone/>
+              <a:defRPr sz="1400" b="0" i="0" kern="1200">
+                <a:solidFill>
+                  <a:schemeClr val="tx1">
+                    <a:tint val="75000"/>
+                  </a:schemeClr>
+                </a:solidFill>
+                <a:latin typeface="+mj-lt"/>
+                <a:ea typeface="+mj-ea"/>
+                <a:cs typeface="+mj-cs"/>
+              </a:defRPr>
+            </a:lvl4pPr>
+            <a:lvl5pPr marL="1828800" indent="0" algn="ctr" defTabSz="457200" rtl="0" eaLnBrk="1" latinLnBrk="1" hangingPunct="1">
+              <a:spcBef>
+                <a:spcPts val="1000"/>
+              </a:spcBef>
+              <a:spcAft>
+                <a:spcPts val="0"/>
+              </a:spcAft>
+              <a:buClr>
+                <a:schemeClr val="bg2">
+                  <a:lumMod val="40000"/>
+                  <a:lumOff val="60000"/>
+                </a:schemeClr>
+              </a:buClr>
+              <a:buSzPct val="80000"/>
+              <a:buFont typeface="Wingdings 3" charset="2"/>
+              <a:buNone/>
+              <a:defRPr sz="1400" b="0" i="0" kern="1200">
+                <a:solidFill>
+                  <a:schemeClr val="tx1">
+                    <a:tint val="75000"/>
+                  </a:schemeClr>
+                </a:solidFill>
+                <a:latin typeface="+mj-lt"/>
+                <a:ea typeface="+mj-ea"/>
+                <a:cs typeface="+mj-cs"/>
+              </a:defRPr>
+            </a:lvl5pPr>
+            <a:lvl6pPr marL="2286000" indent="0" algn="ctr" defTabSz="457200" rtl="0" eaLnBrk="1" latinLnBrk="1" hangingPunct="1">
+              <a:spcBef>
+                <a:spcPts val="1000"/>
+              </a:spcBef>
+              <a:spcAft>
+                <a:spcPts val="0"/>
+              </a:spcAft>
+              <a:buClr>
+                <a:schemeClr val="bg2">
+                  <a:lumMod val="40000"/>
+                  <a:lumOff val="60000"/>
+                </a:schemeClr>
+              </a:buClr>
+              <a:buSzPct val="80000"/>
+              <a:buFont typeface="Wingdings 3" charset="2"/>
+              <a:buNone/>
+              <a:defRPr sz="1400" b="0" i="0" kern="1200">
+                <a:solidFill>
+                  <a:schemeClr val="tx1">
+                    <a:tint val="75000"/>
+                  </a:schemeClr>
+                </a:solidFill>
+                <a:latin typeface="+mj-lt"/>
+                <a:ea typeface="+mj-ea"/>
+                <a:cs typeface="+mj-cs"/>
+              </a:defRPr>
+            </a:lvl6pPr>
+            <a:lvl7pPr marL="2743200" indent="0" algn="ctr" defTabSz="457200" rtl="0" eaLnBrk="1" latinLnBrk="1" hangingPunct="1">
+              <a:spcBef>
+                <a:spcPts val="1000"/>
+              </a:spcBef>
+              <a:spcAft>
+                <a:spcPts val="0"/>
+              </a:spcAft>
+              <a:buClr>
+                <a:schemeClr val="bg2">
+                  <a:lumMod val="40000"/>
+                  <a:lumOff val="60000"/>
+                </a:schemeClr>
+              </a:buClr>
+              <a:buSzPct val="80000"/>
+              <a:buFont typeface="Wingdings 3" charset="2"/>
+              <a:buNone/>
+              <a:defRPr sz="1400" b="0" i="0" kern="1200">
+                <a:solidFill>
+                  <a:schemeClr val="tx1">
+                    <a:tint val="75000"/>
+                  </a:schemeClr>
+                </a:solidFill>
+                <a:latin typeface="+mj-lt"/>
+                <a:ea typeface="+mj-ea"/>
+                <a:cs typeface="+mj-cs"/>
+              </a:defRPr>
+            </a:lvl7pPr>
+            <a:lvl8pPr marL="3200400" indent="0" algn="ctr" defTabSz="457200" rtl="0" eaLnBrk="1" latinLnBrk="1" hangingPunct="1">
+              <a:spcBef>
+                <a:spcPts val="1000"/>
+              </a:spcBef>
+              <a:spcAft>
+                <a:spcPts val="0"/>
+              </a:spcAft>
+              <a:buClr>
+                <a:schemeClr val="bg2">
+                  <a:lumMod val="40000"/>
+                  <a:lumOff val="60000"/>
+                </a:schemeClr>
+              </a:buClr>
+              <a:buSzPct val="80000"/>
+              <a:buFont typeface="Wingdings 3" charset="2"/>
+              <a:buNone/>
+              <a:defRPr sz="1400" b="0" i="0" kern="1200">
+                <a:solidFill>
+                  <a:schemeClr val="tx1">
+                    <a:tint val="75000"/>
+                  </a:schemeClr>
+                </a:solidFill>
+                <a:latin typeface="+mj-lt"/>
+                <a:ea typeface="+mj-ea"/>
+                <a:cs typeface="+mj-cs"/>
+              </a:defRPr>
+            </a:lvl8pPr>
+            <a:lvl9pPr marL="3657600" indent="0" algn="ctr" defTabSz="457200" rtl="0" eaLnBrk="1" latinLnBrk="1" hangingPunct="1">
+              <a:spcBef>
+                <a:spcPts val="1000"/>
+              </a:spcBef>
+              <a:spcAft>
+                <a:spcPts val="0"/>
+              </a:spcAft>
+              <a:buClr>
+                <a:schemeClr val="bg2">
+                  <a:lumMod val="40000"/>
+                  <a:lumOff val="60000"/>
+                </a:schemeClr>
+              </a:buClr>
+              <a:buSzPct val="80000"/>
+              <a:buFont typeface="Wingdings 3" charset="2"/>
+              <a:buNone/>
+              <a:defRPr sz="1400" b="0" i="0" kern="1200">
+                <a:solidFill>
+                  <a:schemeClr val="tx1">
+                    <a:tint val="75000"/>
+                  </a:schemeClr>
+                </a:solidFill>
+                <a:latin typeface="+mj-lt"/>
+                <a:ea typeface="+mj-ea"/>
+                <a:cs typeface="+mj-cs"/>
+              </a:defRPr>
+            </a:lvl9pPr>
+          </a:lstStyle>
+          <a:p>
+            <a:pPr algn="ctr"/>
+            <a:r>
+              <a:rPr lang="en-US" altLang="ko-KR" b="1" cap="none" dirty="0" err="1">
+                <a:solidFill>
+                  <a:schemeClr val="tx1"/>
+                </a:solidFill>
+              </a:rPr>
+              <a:t>Konlpy</a:t>
+            </a:r>
+            <a:r>
+              <a:rPr lang="en-US" altLang="ko-KR" b="1" cap="none" dirty="0">
+                <a:solidFill>
+                  <a:schemeClr val="tx1"/>
+                </a:solidFill>
+              </a:rPr>
+              <a:t> Library</a:t>
+            </a:r>
+            <a:r>
+              <a:rPr lang="ko-KR" altLang="en-US" b="1" cap="none" dirty="0">
+                <a:solidFill>
+                  <a:schemeClr val="tx1"/>
+                </a:solidFill>
+              </a:rPr>
+              <a:t>를 통해 자기소개서를 형태소 단위로 분해</a:t>
+            </a:r>
+            <a:endParaRPr lang="en-US" altLang="ko-KR" b="1" cap="none" dirty="0">
+              <a:solidFill>
+                <a:schemeClr val="tx1"/>
+              </a:solidFill>
+            </a:endParaRPr>
+          </a:p>
+        </p:txBody>
+      </p:sp>
+      <p:sp>
+        <p:nvSpPr>
+          <p:cNvPr id="13" name="부제목 3">
+            <a:extLst>
+              <a:ext uri="{FF2B5EF4-FFF2-40B4-BE49-F238E27FC236}">
+                <a16:creationId xmlns:a16="http://schemas.microsoft.com/office/drawing/2014/main" id="{68370FEA-AA9C-43FB-B674-A678D7EC0EB3}"/>
+              </a:ext>
+            </a:extLst>
+          </p:cNvPr>
+          <p:cNvSpPr txBox="1">
+            <a:spLocks/>
+          </p:cNvSpPr>
+          <p:nvPr/>
+        </p:nvSpPr>
+        <p:spPr>
+          <a:xfrm>
+            <a:off x="4911969" y="3333981"/>
+            <a:ext cx="2368061" cy="758085"/>
+          </a:xfrm>
+          <a:prstGeom prst="rect">
+            <a:avLst/>
+          </a:prstGeom>
+        </p:spPr>
+        <p:txBody>
+          <a:bodyPr vert="horz" lIns="91440" tIns="45720" rIns="91440" bIns="45720" rtlCol="0" anchor="t">
+            <a:normAutofit/>
+          </a:bodyPr>
+          <a:lstStyle>
+            <a:lvl1pPr marL="0" indent="0" algn="l" defTabSz="457200" rtl="0" eaLnBrk="1" latinLnBrk="1" hangingPunct="1">
+              <a:spcBef>
+                <a:spcPts val="1000"/>
+              </a:spcBef>
+              <a:spcAft>
+                <a:spcPts val="0"/>
+              </a:spcAft>
+              <a:buClr>
+                <a:schemeClr val="bg2">
+                  <a:lumMod val="40000"/>
+                  <a:lumOff val="60000"/>
+                </a:schemeClr>
+              </a:buClr>
+              <a:buSzPct val="80000"/>
+              <a:buFont typeface="Wingdings 3" charset="2"/>
+              <a:buNone/>
+              <a:defRPr sz="2000" b="0" i="0" kern="1200" cap="all">
+                <a:solidFill>
+                  <a:schemeClr val="bg2">
+                    <a:lumMod val="40000"/>
+                    <a:lumOff val="60000"/>
+                  </a:schemeClr>
+                </a:solidFill>
+                <a:latin typeface="+mj-lt"/>
+                <a:ea typeface="+mj-ea"/>
+                <a:cs typeface="+mj-cs"/>
+              </a:defRPr>
+            </a:lvl1pPr>
+            <a:lvl2pPr marL="457200" indent="0" algn="ctr" defTabSz="457200" rtl="0" eaLnBrk="1" latinLnBrk="1" hangingPunct="1">
+              <a:spcBef>
+                <a:spcPts val="1000"/>
+              </a:spcBef>
+              <a:spcAft>
+                <a:spcPts val="0"/>
+              </a:spcAft>
+              <a:buClr>
+                <a:schemeClr val="bg2">
+                  <a:lumMod val="40000"/>
+                  <a:lumOff val="60000"/>
+                </a:schemeClr>
+              </a:buClr>
+              <a:buSzPct val="80000"/>
+              <a:buFont typeface="Wingdings 3" charset="2"/>
+              <a:buNone/>
+              <a:defRPr sz="1800" b="0" i="0" kern="1200">
+                <a:solidFill>
+                  <a:schemeClr val="tx1">
+                    <a:tint val="75000"/>
+                  </a:schemeClr>
+                </a:solidFill>
+                <a:latin typeface="+mj-lt"/>
+                <a:ea typeface="+mj-ea"/>
+                <a:cs typeface="+mj-cs"/>
+              </a:defRPr>
+            </a:lvl2pPr>
+            <a:lvl3pPr marL="914400" indent="0" algn="ctr" defTabSz="457200" rtl="0" eaLnBrk="1" latinLnBrk="1" hangingPunct="1">
+              <a:spcBef>
+                <a:spcPts val="1000"/>
+              </a:spcBef>
+              <a:spcAft>
+                <a:spcPts val="0"/>
+              </a:spcAft>
+              <a:buClr>
+                <a:schemeClr val="bg2">
+                  <a:lumMod val="40000"/>
+                  <a:lumOff val="60000"/>
+                </a:schemeClr>
+              </a:buClr>
+              <a:buSzPct val="80000"/>
+              <a:buFont typeface="Wingdings 3" charset="2"/>
+              <a:buNone/>
+              <a:defRPr sz="1600" b="0" i="0" kern="1200">
+                <a:solidFill>
+                  <a:schemeClr val="tx1">
+                    <a:tint val="75000"/>
+                  </a:schemeClr>
+                </a:solidFill>
+                <a:latin typeface="+mj-lt"/>
+                <a:ea typeface="+mj-ea"/>
+                <a:cs typeface="+mj-cs"/>
+              </a:defRPr>
+            </a:lvl3pPr>
+            <a:lvl4pPr marL="1371600" indent="0" algn="ctr" defTabSz="457200" rtl="0" eaLnBrk="1" latinLnBrk="1" hangingPunct="1">
+              <a:spcBef>
+                <a:spcPts val="1000"/>
+              </a:spcBef>
+              <a:spcAft>
+                <a:spcPts val="0"/>
+              </a:spcAft>
+              <a:buClr>
+                <a:schemeClr val="bg2">
+                  <a:lumMod val="40000"/>
+                  <a:lumOff val="60000"/>
+                </a:schemeClr>
+              </a:buClr>
+              <a:buSzPct val="80000"/>
+              <a:buFont typeface="Wingdings 3" charset="2"/>
+              <a:buNone/>
+              <a:defRPr sz="1400" b="0" i="0" kern="1200">
+                <a:solidFill>
+                  <a:schemeClr val="tx1">
+                    <a:tint val="75000"/>
+                  </a:schemeClr>
+                </a:solidFill>
+                <a:latin typeface="+mj-lt"/>
+                <a:ea typeface="+mj-ea"/>
+                <a:cs typeface="+mj-cs"/>
+              </a:defRPr>
+            </a:lvl4pPr>
+            <a:lvl5pPr marL="1828800" indent="0" algn="ctr" defTabSz="457200" rtl="0" eaLnBrk="1" latinLnBrk="1" hangingPunct="1">
+              <a:spcBef>
+                <a:spcPts val="1000"/>
+              </a:spcBef>
+              <a:spcAft>
+                <a:spcPts val="0"/>
+              </a:spcAft>
+              <a:buClr>
+                <a:schemeClr val="bg2">
+                  <a:lumMod val="40000"/>
+                  <a:lumOff val="60000"/>
+                </a:schemeClr>
+              </a:buClr>
+              <a:buSzPct val="80000"/>
+              <a:buFont typeface="Wingdings 3" charset="2"/>
+              <a:buNone/>
+              <a:defRPr sz="1400" b="0" i="0" kern="1200">
+                <a:solidFill>
+                  <a:schemeClr val="tx1">
+                    <a:tint val="75000"/>
+                  </a:schemeClr>
+                </a:solidFill>
+                <a:latin typeface="+mj-lt"/>
+                <a:ea typeface="+mj-ea"/>
+                <a:cs typeface="+mj-cs"/>
+              </a:defRPr>
+            </a:lvl5pPr>
+            <a:lvl6pPr marL="2286000" indent="0" algn="ctr" defTabSz="457200" rtl="0" eaLnBrk="1" latinLnBrk="1" hangingPunct="1">
+              <a:spcBef>
+                <a:spcPts val="1000"/>
+              </a:spcBef>
+              <a:spcAft>
+                <a:spcPts val="0"/>
+              </a:spcAft>
+              <a:buClr>
+                <a:schemeClr val="bg2">
+                  <a:lumMod val="40000"/>
+                  <a:lumOff val="60000"/>
+                </a:schemeClr>
+              </a:buClr>
+              <a:buSzPct val="80000"/>
+              <a:buFont typeface="Wingdings 3" charset="2"/>
+              <a:buNone/>
+              <a:defRPr sz="1400" b="0" i="0" kern="1200">
+                <a:solidFill>
+                  <a:schemeClr val="tx1">
+                    <a:tint val="75000"/>
+                  </a:schemeClr>
+                </a:solidFill>
+                <a:latin typeface="+mj-lt"/>
+                <a:ea typeface="+mj-ea"/>
+                <a:cs typeface="+mj-cs"/>
+              </a:defRPr>
+            </a:lvl6pPr>
+            <a:lvl7pPr marL="2743200" indent="0" algn="ctr" defTabSz="457200" rtl="0" eaLnBrk="1" latinLnBrk="1" hangingPunct="1">
+              <a:spcBef>
+                <a:spcPts val="1000"/>
+              </a:spcBef>
+              <a:spcAft>
+                <a:spcPts val="0"/>
+              </a:spcAft>
+              <a:buClr>
+                <a:schemeClr val="bg2">
+                  <a:lumMod val="40000"/>
+                  <a:lumOff val="60000"/>
+                </a:schemeClr>
+              </a:buClr>
+              <a:buSzPct val="80000"/>
+              <a:buFont typeface="Wingdings 3" charset="2"/>
+              <a:buNone/>
+              <a:defRPr sz="1400" b="0" i="0" kern="1200">
+                <a:solidFill>
+                  <a:schemeClr val="tx1">
+                    <a:tint val="75000"/>
+                  </a:schemeClr>
+                </a:solidFill>
+                <a:latin typeface="+mj-lt"/>
+                <a:ea typeface="+mj-ea"/>
+                <a:cs typeface="+mj-cs"/>
+              </a:defRPr>
+            </a:lvl7pPr>
+            <a:lvl8pPr marL="3200400" indent="0" algn="ctr" defTabSz="457200" rtl="0" eaLnBrk="1" latinLnBrk="1" hangingPunct="1">
+              <a:spcBef>
+                <a:spcPts val="1000"/>
+              </a:spcBef>
+              <a:spcAft>
+                <a:spcPts val="0"/>
+              </a:spcAft>
+              <a:buClr>
+                <a:schemeClr val="bg2">
+                  <a:lumMod val="40000"/>
+                  <a:lumOff val="60000"/>
+                </a:schemeClr>
+              </a:buClr>
+              <a:buSzPct val="80000"/>
+              <a:buFont typeface="Wingdings 3" charset="2"/>
+              <a:buNone/>
+              <a:defRPr sz="1400" b="0" i="0" kern="1200">
+                <a:solidFill>
+                  <a:schemeClr val="tx1">
+                    <a:tint val="75000"/>
+                  </a:schemeClr>
+                </a:solidFill>
+                <a:latin typeface="+mj-lt"/>
+                <a:ea typeface="+mj-ea"/>
+                <a:cs typeface="+mj-cs"/>
+              </a:defRPr>
+            </a:lvl8pPr>
+            <a:lvl9pPr marL="3657600" indent="0" algn="ctr" defTabSz="457200" rtl="0" eaLnBrk="1" latinLnBrk="1" hangingPunct="1">
+              <a:spcBef>
+                <a:spcPts val="1000"/>
+              </a:spcBef>
+              <a:spcAft>
+                <a:spcPts val="0"/>
+              </a:spcAft>
+              <a:buClr>
+                <a:schemeClr val="bg2">
+                  <a:lumMod val="40000"/>
+                  <a:lumOff val="60000"/>
+                </a:schemeClr>
+              </a:buClr>
+              <a:buSzPct val="80000"/>
+              <a:buFont typeface="Wingdings 3" charset="2"/>
+              <a:buNone/>
+              <a:defRPr sz="1400" b="0" i="0" kern="1200">
+                <a:solidFill>
+                  <a:schemeClr val="tx1">
+                    <a:tint val="75000"/>
+                  </a:schemeClr>
+                </a:solidFill>
+                <a:latin typeface="+mj-lt"/>
+                <a:ea typeface="+mj-ea"/>
+                <a:cs typeface="+mj-cs"/>
+              </a:defRPr>
+            </a:lvl9pPr>
+          </a:lstStyle>
+          <a:p>
+            <a:pPr algn="ctr"/>
+            <a:endParaRPr lang="en-US" altLang="ko-KR" b="1" cap="none" dirty="0">
+              <a:solidFill>
+                <a:schemeClr val="tx1"/>
+              </a:solidFill>
+            </a:endParaRPr>
+          </a:p>
+        </p:txBody>
+      </p:sp>
+      <p:sp>
+        <p:nvSpPr>
+          <p:cNvPr id="14" name="부제목 3">
+            <a:extLst>
+              <a:ext uri="{FF2B5EF4-FFF2-40B4-BE49-F238E27FC236}">
+                <a16:creationId xmlns:a16="http://schemas.microsoft.com/office/drawing/2014/main" id="{506DE570-520C-4F7A-BED8-26D26981F0B8}"/>
+              </a:ext>
+            </a:extLst>
+          </p:cNvPr>
+          <p:cNvSpPr txBox="1">
+            <a:spLocks/>
+          </p:cNvSpPr>
+          <p:nvPr/>
+        </p:nvSpPr>
+        <p:spPr>
+          <a:xfrm>
+            <a:off x="1337884" y="2969821"/>
+            <a:ext cx="3230933" cy="758085"/>
+          </a:xfrm>
+          <a:prstGeom prst="rect">
+            <a:avLst/>
+          </a:prstGeom>
+        </p:spPr>
+        <p:txBody>
+          <a:bodyPr vert="horz" lIns="91440" tIns="45720" rIns="91440" bIns="45720" rtlCol="0" anchor="t">
+            <a:normAutofit lnSpcReduction="10000"/>
+          </a:bodyPr>
+          <a:lstStyle>
+            <a:lvl1pPr marL="0" indent="0" algn="l" defTabSz="457200" rtl="0" eaLnBrk="1" latinLnBrk="1" hangingPunct="1">
+              <a:spcBef>
+                <a:spcPts val="1000"/>
+              </a:spcBef>
+              <a:spcAft>
+                <a:spcPts val="0"/>
+              </a:spcAft>
+              <a:buClr>
+                <a:schemeClr val="bg2">
+                  <a:lumMod val="40000"/>
+                  <a:lumOff val="60000"/>
+                </a:schemeClr>
+              </a:buClr>
+              <a:buSzPct val="80000"/>
+              <a:buFont typeface="Wingdings 3" charset="2"/>
+              <a:buNone/>
+              <a:defRPr sz="2000" b="0" i="0" kern="1200" cap="all">
+                <a:solidFill>
+                  <a:schemeClr val="bg2">
+                    <a:lumMod val="40000"/>
+                    <a:lumOff val="60000"/>
+                  </a:schemeClr>
+                </a:solidFill>
+                <a:latin typeface="+mj-lt"/>
+                <a:ea typeface="+mj-ea"/>
+                <a:cs typeface="+mj-cs"/>
+              </a:defRPr>
+            </a:lvl1pPr>
+            <a:lvl2pPr marL="457200" indent="0" algn="ctr" defTabSz="457200" rtl="0" eaLnBrk="1" latinLnBrk="1" hangingPunct="1">
+              <a:spcBef>
+                <a:spcPts val="1000"/>
+              </a:spcBef>
+              <a:spcAft>
+                <a:spcPts val="0"/>
+              </a:spcAft>
+              <a:buClr>
+                <a:schemeClr val="bg2">
+                  <a:lumMod val="40000"/>
+                  <a:lumOff val="60000"/>
+                </a:schemeClr>
+              </a:buClr>
+              <a:buSzPct val="80000"/>
+              <a:buFont typeface="Wingdings 3" charset="2"/>
+              <a:buNone/>
+              <a:defRPr sz="1800" b="0" i="0" kern="1200">
+                <a:solidFill>
+                  <a:schemeClr val="tx1">
+                    <a:tint val="75000"/>
+                  </a:schemeClr>
+                </a:solidFill>
+                <a:latin typeface="+mj-lt"/>
+                <a:ea typeface="+mj-ea"/>
+                <a:cs typeface="+mj-cs"/>
+              </a:defRPr>
+            </a:lvl2pPr>
+            <a:lvl3pPr marL="914400" indent="0" algn="ctr" defTabSz="457200" rtl="0" eaLnBrk="1" latinLnBrk="1" hangingPunct="1">
+              <a:spcBef>
+                <a:spcPts val="1000"/>
+              </a:spcBef>
+              <a:spcAft>
+                <a:spcPts val="0"/>
+              </a:spcAft>
+              <a:buClr>
+                <a:schemeClr val="bg2">
+                  <a:lumMod val="40000"/>
+                  <a:lumOff val="60000"/>
+                </a:schemeClr>
+              </a:buClr>
+              <a:buSzPct val="80000"/>
+              <a:buFont typeface="Wingdings 3" charset="2"/>
+              <a:buNone/>
+              <a:defRPr sz="1600" b="0" i="0" kern="1200">
+                <a:solidFill>
+                  <a:schemeClr val="tx1">
+                    <a:tint val="75000"/>
+                  </a:schemeClr>
+                </a:solidFill>
+                <a:latin typeface="+mj-lt"/>
+                <a:ea typeface="+mj-ea"/>
+                <a:cs typeface="+mj-cs"/>
+              </a:defRPr>
+            </a:lvl3pPr>
+            <a:lvl4pPr marL="1371600" indent="0" algn="ctr" defTabSz="457200" rtl="0" eaLnBrk="1" latinLnBrk="1" hangingPunct="1">
+              <a:spcBef>
+                <a:spcPts val="1000"/>
+              </a:spcBef>
+              <a:spcAft>
+                <a:spcPts val="0"/>
+              </a:spcAft>
+              <a:buClr>
+                <a:schemeClr val="bg2">
+                  <a:lumMod val="40000"/>
+                  <a:lumOff val="60000"/>
+                </a:schemeClr>
+              </a:buClr>
+              <a:buSzPct val="80000"/>
+              <a:buFont typeface="Wingdings 3" charset="2"/>
+              <a:buNone/>
+              <a:defRPr sz="1400" b="0" i="0" kern="1200">
+                <a:solidFill>
+                  <a:schemeClr val="tx1">
+                    <a:tint val="75000"/>
+                  </a:schemeClr>
+                </a:solidFill>
+                <a:latin typeface="+mj-lt"/>
+                <a:ea typeface="+mj-ea"/>
+                <a:cs typeface="+mj-cs"/>
+              </a:defRPr>
+            </a:lvl4pPr>
+            <a:lvl5pPr marL="1828800" indent="0" algn="ctr" defTabSz="457200" rtl="0" eaLnBrk="1" latinLnBrk="1" hangingPunct="1">
+              <a:spcBef>
+                <a:spcPts val="1000"/>
+              </a:spcBef>
+              <a:spcAft>
+                <a:spcPts val="0"/>
+              </a:spcAft>
+              <a:buClr>
+                <a:schemeClr val="bg2">
+                  <a:lumMod val="40000"/>
+                  <a:lumOff val="60000"/>
+                </a:schemeClr>
+              </a:buClr>
+              <a:buSzPct val="80000"/>
+              <a:buFont typeface="Wingdings 3" charset="2"/>
+              <a:buNone/>
+              <a:defRPr sz="1400" b="0" i="0" kern="1200">
+                <a:solidFill>
+                  <a:schemeClr val="tx1">
+                    <a:tint val="75000"/>
+                  </a:schemeClr>
+                </a:solidFill>
+                <a:latin typeface="+mj-lt"/>
+                <a:ea typeface="+mj-ea"/>
+                <a:cs typeface="+mj-cs"/>
+              </a:defRPr>
+            </a:lvl5pPr>
+            <a:lvl6pPr marL="2286000" indent="0" algn="ctr" defTabSz="457200" rtl="0" eaLnBrk="1" latinLnBrk="1" hangingPunct="1">
+              <a:spcBef>
+                <a:spcPts val="1000"/>
+              </a:spcBef>
+              <a:spcAft>
+                <a:spcPts val="0"/>
+              </a:spcAft>
+              <a:buClr>
+                <a:schemeClr val="bg2">
+                  <a:lumMod val="40000"/>
+                  <a:lumOff val="60000"/>
+                </a:schemeClr>
+              </a:buClr>
+              <a:buSzPct val="80000"/>
+              <a:buFont typeface="Wingdings 3" charset="2"/>
+              <a:buNone/>
+              <a:defRPr sz="1400" b="0" i="0" kern="1200">
+                <a:solidFill>
+                  <a:schemeClr val="tx1">
+                    <a:tint val="75000"/>
+                  </a:schemeClr>
+                </a:solidFill>
+                <a:latin typeface="+mj-lt"/>
+                <a:ea typeface="+mj-ea"/>
+                <a:cs typeface="+mj-cs"/>
+              </a:defRPr>
+            </a:lvl6pPr>
+            <a:lvl7pPr marL="2743200" indent="0" algn="ctr" defTabSz="457200" rtl="0" eaLnBrk="1" latinLnBrk="1" hangingPunct="1">
+              <a:spcBef>
+                <a:spcPts val="1000"/>
+              </a:spcBef>
+              <a:spcAft>
+                <a:spcPts val="0"/>
+              </a:spcAft>
+              <a:buClr>
+                <a:schemeClr val="bg2">
+                  <a:lumMod val="40000"/>
+                  <a:lumOff val="60000"/>
+                </a:schemeClr>
+              </a:buClr>
+              <a:buSzPct val="80000"/>
+              <a:buFont typeface="Wingdings 3" charset="2"/>
+              <a:buNone/>
+              <a:defRPr sz="1400" b="0" i="0" kern="1200">
+                <a:solidFill>
+                  <a:schemeClr val="tx1">
+                    <a:tint val="75000"/>
+                  </a:schemeClr>
+                </a:solidFill>
+                <a:latin typeface="+mj-lt"/>
+                <a:ea typeface="+mj-ea"/>
+                <a:cs typeface="+mj-cs"/>
+              </a:defRPr>
+            </a:lvl7pPr>
+            <a:lvl8pPr marL="3200400" indent="0" algn="ctr" defTabSz="457200" rtl="0" eaLnBrk="1" latinLnBrk="1" hangingPunct="1">
+              <a:spcBef>
+                <a:spcPts val="1000"/>
+              </a:spcBef>
+              <a:spcAft>
+                <a:spcPts val="0"/>
+              </a:spcAft>
+              <a:buClr>
+                <a:schemeClr val="bg2">
+                  <a:lumMod val="40000"/>
+                  <a:lumOff val="60000"/>
+                </a:schemeClr>
+              </a:buClr>
+              <a:buSzPct val="80000"/>
+              <a:buFont typeface="Wingdings 3" charset="2"/>
+              <a:buNone/>
+              <a:defRPr sz="1400" b="0" i="0" kern="1200">
+                <a:solidFill>
+                  <a:schemeClr val="tx1">
+                    <a:tint val="75000"/>
+                  </a:schemeClr>
+                </a:solidFill>
+                <a:latin typeface="+mj-lt"/>
+                <a:ea typeface="+mj-ea"/>
+                <a:cs typeface="+mj-cs"/>
+              </a:defRPr>
+            </a:lvl8pPr>
+            <a:lvl9pPr marL="3657600" indent="0" algn="ctr" defTabSz="457200" rtl="0" eaLnBrk="1" latinLnBrk="1" hangingPunct="1">
+              <a:spcBef>
+                <a:spcPts val="1000"/>
+              </a:spcBef>
+              <a:spcAft>
+                <a:spcPts val="0"/>
+              </a:spcAft>
+              <a:buClr>
+                <a:schemeClr val="bg2">
+                  <a:lumMod val="40000"/>
+                  <a:lumOff val="60000"/>
+                </a:schemeClr>
+              </a:buClr>
+              <a:buSzPct val="80000"/>
+              <a:buFont typeface="Wingdings 3" charset="2"/>
+              <a:buNone/>
+              <a:defRPr sz="1400" b="0" i="0" kern="1200">
+                <a:solidFill>
+                  <a:schemeClr val="tx1">
+                    <a:tint val="75000"/>
+                  </a:schemeClr>
+                </a:solidFill>
+                <a:latin typeface="+mj-lt"/>
+                <a:ea typeface="+mj-ea"/>
+                <a:cs typeface="+mj-cs"/>
+              </a:defRPr>
+            </a:lvl9pPr>
+          </a:lstStyle>
+          <a:p>
+            <a:pPr algn="ctr"/>
+            <a:r>
+              <a:rPr lang="ko-KR" altLang="en-US" sz="1600" b="1" cap="none" dirty="0">
+                <a:solidFill>
+                  <a:schemeClr val="tx1"/>
+                </a:solidFill>
+              </a:rPr>
+              <a:t>형태소 단위의 </a:t>
+            </a:r>
+            <a:r>
+              <a:rPr lang="en-US" altLang="ko-KR" sz="1600" b="1" cap="none" dirty="0">
+                <a:solidFill>
+                  <a:schemeClr val="tx1"/>
+                </a:solidFill>
+              </a:rPr>
+              <a:t>text</a:t>
+            </a:r>
+            <a:r>
+              <a:rPr lang="ko-KR" altLang="en-US" sz="1600" b="1" cap="none" dirty="0">
+                <a:solidFill>
+                  <a:schemeClr val="tx1"/>
+                </a:solidFill>
+              </a:rPr>
+              <a:t>를 </a:t>
+            </a:r>
+            <a:r>
+              <a:rPr lang="en-US" altLang="ko-KR" sz="1600" b="1" cap="none" dirty="0">
+                <a:solidFill>
+                  <a:schemeClr val="tx1"/>
+                </a:solidFill>
+              </a:rPr>
+              <a:t>key</a:t>
+            </a:r>
+            <a:r>
+              <a:rPr lang="ko-KR" altLang="en-US" sz="1600" b="1" cap="none" dirty="0">
+                <a:solidFill>
+                  <a:schemeClr val="tx1"/>
+                </a:solidFill>
+              </a:rPr>
+              <a:t>로 하여 </a:t>
+            </a:r>
+            <a:r>
+              <a:rPr lang="en-US" altLang="ko-KR" sz="1600" b="1" cap="none" dirty="0">
+                <a:solidFill>
+                  <a:schemeClr val="tx1"/>
+                </a:solidFill>
+              </a:rPr>
+              <a:t>dictionary</a:t>
+            </a:r>
+            <a:r>
+              <a:rPr lang="ko-KR" altLang="en-US" sz="1600" b="1" cap="none" dirty="0">
+                <a:solidFill>
+                  <a:schemeClr val="tx1"/>
+                </a:solidFill>
+              </a:rPr>
+              <a:t>의 </a:t>
+            </a:r>
+            <a:r>
+              <a:rPr lang="en-US" altLang="ko-KR" sz="1600" b="1" cap="none" dirty="0">
+                <a:solidFill>
+                  <a:schemeClr val="tx1"/>
+                </a:solidFill>
+              </a:rPr>
+              <a:t>value </a:t>
+            </a:r>
+            <a:r>
+              <a:rPr lang="ko-KR" altLang="en-US" sz="1600" b="1" cap="none" dirty="0">
+                <a:solidFill>
+                  <a:schemeClr val="tx1"/>
+                </a:solidFill>
+              </a:rPr>
+              <a:t>만큼의 </a:t>
+            </a:r>
+            <a:r>
+              <a:rPr lang="en-US" altLang="ko-KR" sz="1600" b="1" cap="none" dirty="0">
+                <a:solidFill>
+                  <a:schemeClr val="tx1"/>
+                </a:solidFill>
+              </a:rPr>
+              <a:t>Topic Value </a:t>
+            </a:r>
+            <a:r>
+              <a:rPr lang="ko-KR" altLang="en-US" sz="1600" b="1" cap="none" dirty="0">
+                <a:solidFill>
+                  <a:schemeClr val="tx1"/>
+                </a:solidFill>
+              </a:rPr>
+              <a:t>증가</a:t>
+            </a:r>
+            <a:endParaRPr lang="en-US" altLang="ko-KR" sz="1600" b="1" cap="none" dirty="0">
+              <a:solidFill>
+                <a:schemeClr val="tx1"/>
+              </a:solidFill>
+            </a:endParaRPr>
+          </a:p>
+        </p:txBody>
+      </p:sp>
+      <p:sp>
+        <p:nvSpPr>
+          <p:cNvPr id="15" name="사각형: 둥근 모서리 14">
+            <a:extLst>
+              <a:ext uri="{FF2B5EF4-FFF2-40B4-BE49-F238E27FC236}">
+                <a16:creationId xmlns:a16="http://schemas.microsoft.com/office/drawing/2014/main" id="{1A132366-5086-4832-A9E5-9EFA31679C70}"/>
+              </a:ext>
+            </a:extLst>
+          </p:cNvPr>
+          <p:cNvSpPr/>
+          <p:nvPr/>
+        </p:nvSpPr>
+        <p:spPr>
+          <a:xfrm>
+            <a:off x="1061298" y="1508356"/>
+            <a:ext cx="3892061" cy="949554"/>
+          </a:xfrm>
+          <a:prstGeom prst="roundRect">
+            <a:avLst/>
+          </a:prstGeom>
+          <a:noFill/>
+          <a:ln>
+            <a:solidFill>
+              <a:schemeClr val="tx1">
+                <a:lumMod val="50000"/>
+                <a:lumOff val="50000"/>
+              </a:schemeClr>
+            </a:solidFill>
+          </a:ln>
+        </p:spPr>
+        <p:style>
+          <a:lnRef idx="2">
+            <a:schemeClr val="accent1">
+              <a:shade val="50000"/>
+            </a:schemeClr>
+          </a:lnRef>
+          <a:fillRef idx="1">
+            <a:schemeClr val="accent1"/>
+          </a:fillRef>
+          <a:effectRef idx="0">
+            <a:schemeClr val="accent1"/>
+          </a:effectRef>
+          <a:fontRef idx="minor">
+            <a:schemeClr val="lt1"/>
+          </a:fontRef>
+        </p:style>
+        <p:txBody>
+          <a:bodyPr rtlCol="0" anchor="ctr"/>
+          <a:lstStyle/>
+          <a:p>
+            <a:pPr algn="ctr"/>
+            <a:endParaRPr lang="ko-KR" altLang="en-US"/>
+          </a:p>
+        </p:txBody>
+      </p:sp>
+      <p:sp>
+        <p:nvSpPr>
+          <p:cNvPr id="16" name="사각형: 둥근 모서리 15">
+            <a:extLst>
+              <a:ext uri="{FF2B5EF4-FFF2-40B4-BE49-F238E27FC236}">
+                <a16:creationId xmlns:a16="http://schemas.microsoft.com/office/drawing/2014/main" id="{8D2FF35B-0FB8-4E23-9F6F-24A365FBF7A7}"/>
+              </a:ext>
+            </a:extLst>
+          </p:cNvPr>
+          <p:cNvSpPr/>
+          <p:nvPr/>
+        </p:nvSpPr>
+        <p:spPr>
+          <a:xfrm>
+            <a:off x="1061297" y="2874086"/>
+            <a:ext cx="3892061" cy="949554"/>
+          </a:xfrm>
+          <a:prstGeom prst="roundRect">
+            <a:avLst/>
+          </a:prstGeom>
+          <a:noFill/>
+          <a:ln>
+            <a:solidFill>
+              <a:schemeClr val="tx1">
+                <a:lumMod val="50000"/>
+                <a:lumOff val="50000"/>
+              </a:schemeClr>
+            </a:solidFill>
+          </a:ln>
+        </p:spPr>
+        <p:style>
+          <a:lnRef idx="2">
+            <a:schemeClr val="accent1">
+              <a:shade val="50000"/>
+            </a:schemeClr>
+          </a:lnRef>
+          <a:fillRef idx="1">
+            <a:schemeClr val="accent1"/>
+          </a:fillRef>
+          <a:effectRef idx="0">
+            <a:schemeClr val="accent1"/>
+          </a:effectRef>
+          <a:fontRef idx="minor">
+            <a:schemeClr val="lt1"/>
+          </a:fontRef>
+        </p:style>
+        <p:txBody>
+          <a:bodyPr rtlCol="0" anchor="ctr"/>
+          <a:lstStyle/>
+          <a:p>
+            <a:pPr algn="ctr"/>
+            <a:endParaRPr lang="ko-KR" altLang="en-US"/>
+          </a:p>
+        </p:txBody>
+      </p:sp>
+      <p:sp>
+        <p:nvSpPr>
+          <p:cNvPr id="17" name="부제목 3">
+            <a:extLst>
+              <a:ext uri="{FF2B5EF4-FFF2-40B4-BE49-F238E27FC236}">
+                <a16:creationId xmlns:a16="http://schemas.microsoft.com/office/drawing/2014/main" id="{07ACB80C-88F4-4BA2-8C39-DD4DEF43DF5D}"/>
+              </a:ext>
+            </a:extLst>
+          </p:cNvPr>
+          <p:cNvSpPr txBox="1">
+            <a:spLocks/>
+          </p:cNvSpPr>
+          <p:nvPr/>
+        </p:nvSpPr>
+        <p:spPr>
+          <a:xfrm>
+            <a:off x="1341794" y="4357055"/>
+            <a:ext cx="3230933" cy="758085"/>
+          </a:xfrm>
+          <a:prstGeom prst="rect">
+            <a:avLst/>
+          </a:prstGeom>
+        </p:spPr>
+        <p:txBody>
+          <a:bodyPr vert="horz" lIns="91440" tIns="45720" rIns="91440" bIns="45720" rtlCol="0" anchor="t">
+            <a:normAutofit lnSpcReduction="10000"/>
+          </a:bodyPr>
+          <a:lstStyle>
+            <a:lvl1pPr marL="0" indent="0" algn="l" defTabSz="457200" rtl="0" eaLnBrk="1" latinLnBrk="1" hangingPunct="1">
+              <a:spcBef>
+                <a:spcPts val="1000"/>
+              </a:spcBef>
+              <a:spcAft>
+                <a:spcPts val="0"/>
+              </a:spcAft>
+              <a:buClr>
+                <a:schemeClr val="bg2">
+                  <a:lumMod val="40000"/>
+                  <a:lumOff val="60000"/>
+                </a:schemeClr>
+              </a:buClr>
+              <a:buSzPct val="80000"/>
+              <a:buFont typeface="Wingdings 3" charset="2"/>
+              <a:buNone/>
+              <a:defRPr sz="2000" b="0" i="0" kern="1200" cap="all">
+                <a:solidFill>
+                  <a:schemeClr val="bg2">
+                    <a:lumMod val="40000"/>
+                    <a:lumOff val="60000"/>
+                  </a:schemeClr>
+                </a:solidFill>
+                <a:latin typeface="+mj-lt"/>
+                <a:ea typeface="+mj-ea"/>
+                <a:cs typeface="+mj-cs"/>
+              </a:defRPr>
+            </a:lvl1pPr>
+            <a:lvl2pPr marL="457200" indent="0" algn="ctr" defTabSz="457200" rtl="0" eaLnBrk="1" latinLnBrk="1" hangingPunct="1">
+              <a:spcBef>
+                <a:spcPts val="1000"/>
+              </a:spcBef>
+              <a:spcAft>
+                <a:spcPts val="0"/>
+              </a:spcAft>
+              <a:buClr>
+                <a:schemeClr val="bg2">
+                  <a:lumMod val="40000"/>
+                  <a:lumOff val="60000"/>
+                </a:schemeClr>
+              </a:buClr>
+              <a:buSzPct val="80000"/>
+              <a:buFont typeface="Wingdings 3" charset="2"/>
+              <a:buNone/>
+              <a:defRPr sz="1800" b="0" i="0" kern="1200">
+                <a:solidFill>
+                  <a:schemeClr val="tx1">
+                    <a:tint val="75000"/>
+                  </a:schemeClr>
+                </a:solidFill>
+                <a:latin typeface="+mj-lt"/>
+                <a:ea typeface="+mj-ea"/>
+                <a:cs typeface="+mj-cs"/>
+              </a:defRPr>
+            </a:lvl2pPr>
+            <a:lvl3pPr marL="914400" indent="0" algn="ctr" defTabSz="457200" rtl="0" eaLnBrk="1" latinLnBrk="1" hangingPunct="1">
+              <a:spcBef>
+                <a:spcPts val="1000"/>
+              </a:spcBef>
+              <a:spcAft>
+                <a:spcPts val="0"/>
+              </a:spcAft>
+              <a:buClr>
+                <a:schemeClr val="bg2">
+                  <a:lumMod val="40000"/>
+                  <a:lumOff val="60000"/>
+                </a:schemeClr>
+              </a:buClr>
+              <a:buSzPct val="80000"/>
+              <a:buFont typeface="Wingdings 3" charset="2"/>
+              <a:buNone/>
+              <a:defRPr sz="1600" b="0" i="0" kern="1200">
+                <a:solidFill>
+                  <a:schemeClr val="tx1">
+                    <a:tint val="75000"/>
+                  </a:schemeClr>
+                </a:solidFill>
+                <a:latin typeface="+mj-lt"/>
+                <a:ea typeface="+mj-ea"/>
+                <a:cs typeface="+mj-cs"/>
+              </a:defRPr>
+            </a:lvl3pPr>
+            <a:lvl4pPr marL="1371600" indent="0" algn="ctr" defTabSz="457200" rtl="0" eaLnBrk="1" latinLnBrk="1" hangingPunct="1">
+              <a:spcBef>
+                <a:spcPts val="1000"/>
+              </a:spcBef>
+              <a:spcAft>
+                <a:spcPts val="0"/>
+              </a:spcAft>
+              <a:buClr>
+                <a:schemeClr val="bg2">
+                  <a:lumMod val="40000"/>
+                  <a:lumOff val="60000"/>
+                </a:schemeClr>
+              </a:buClr>
+              <a:buSzPct val="80000"/>
+              <a:buFont typeface="Wingdings 3" charset="2"/>
+              <a:buNone/>
+              <a:defRPr sz="1400" b="0" i="0" kern="1200">
+                <a:solidFill>
+                  <a:schemeClr val="tx1">
+                    <a:tint val="75000"/>
+                  </a:schemeClr>
+                </a:solidFill>
+                <a:latin typeface="+mj-lt"/>
+                <a:ea typeface="+mj-ea"/>
+                <a:cs typeface="+mj-cs"/>
+              </a:defRPr>
+            </a:lvl4pPr>
+            <a:lvl5pPr marL="1828800" indent="0" algn="ctr" defTabSz="457200" rtl="0" eaLnBrk="1" latinLnBrk="1" hangingPunct="1">
+              <a:spcBef>
+                <a:spcPts val="1000"/>
+              </a:spcBef>
+              <a:spcAft>
+                <a:spcPts val="0"/>
+              </a:spcAft>
+              <a:buClr>
+                <a:schemeClr val="bg2">
+                  <a:lumMod val="40000"/>
+                  <a:lumOff val="60000"/>
+                </a:schemeClr>
+              </a:buClr>
+              <a:buSzPct val="80000"/>
+              <a:buFont typeface="Wingdings 3" charset="2"/>
+              <a:buNone/>
+              <a:defRPr sz="1400" b="0" i="0" kern="1200">
+                <a:solidFill>
+                  <a:schemeClr val="tx1">
+                    <a:tint val="75000"/>
+                  </a:schemeClr>
+                </a:solidFill>
+                <a:latin typeface="+mj-lt"/>
+                <a:ea typeface="+mj-ea"/>
+                <a:cs typeface="+mj-cs"/>
+              </a:defRPr>
+            </a:lvl5pPr>
+            <a:lvl6pPr marL="2286000" indent="0" algn="ctr" defTabSz="457200" rtl="0" eaLnBrk="1" latinLnBrk="1" hangingPunct="1">
+              <a:spcBef>
+                <a:spcPts val="1000"/>
+              </a:spcBef>
+              <a:spcAft>
+                <a:spcPts val="0"/>
+              </a:spcAft>
+              <a:buClr>
+                <a:schemeClr val="bg2">
+                  <a:lumMod val="40000"/>
+                  <a:lumOff val="60000"/>
+                </a:schemeClr>
+              </a:buClr>
+              <a:buSzPct val="80000"/>
+              <a:buFont typeface="Wingdings 3" charset="2"/>
+              <a:buNone/>
+              <a:defRPr sz="1400" b="0" i="0" kern="1200">
+                <a:solidFill>
+                  <a:schemeClr val="tx1">
+                    <a:tint val="75000"/>
+                  </a:schemeClr>
+                </a:solidFill>
+                <a:latin typeface="+mj-lt"/>
+                <a:ea typeface="+mj-ea"/>
+                <a:cs typeface="+mj-cs"/>
+              </a:defRPr>
+            </a:lvl6pPr>
+            <a:lvl7pPr marL="2743200" indent="0" algn="ctr" defTabSz="457200" rtl="0" eaLnBrk="1" latinLnBrk="1" hangingPunct="1">
+              <a:spcBef>
+                <a:spcPts val="1000"/>
+              </a:spcBef>
+              <a:spcAft>
+                <a:spcPts val="0"/>
+              </a:spcAft>
+              <a:buClr>
+                <a:schemeClr val="bg2">
+                  <a:lumMod val="40000"/>
+                  <a:lumOff val="60000"/>
+                </a:schemeClr>
+              </a:buClr>
+              <a:buSzPct val="80000"/>
+              <a:buFont typeface="Wingdings 3" charset="2"/>
+              <a:buNone/>
+              <a:defRPr sz="1400" b="0" i="0" kern="1200">
+                <a:solidFill>
+                  <a:schemeClr val="tx1">
+                    <a:tint val="75000"/>
+                  </a:schemeClr>
+                </a:solidFill>
+                <a:latin typeface="+mj-lt"/>
+                <a:ea typeface="+mj-ea"/>
+                <a:cs typeface="+mj-cs"/>
+              </a:defRPr>
+            </a:lvl7pPr>
+            <a:lvl8pPr marL="3200400" indent="0" algn="ctr" defTabSz="457200" rtl="0" eaLnBrk="1" latinLnBrk="1" hangingPunct="1">
+              <a:spcBef>
+                <a:spcPts val="1000"/>
+              </a:spcBef>
+              <a:spcAft>
+                <a:spcPts val="0"/>
+              </a:spcAft>
+              <a:buClr>
+                <a:schemeClr val="bg2">
+                  <a:lumMod val="40000"/>
+                  <a:lumOff val="60000"/>
+                </a:schemeClr>
+              </a:buClr>
+              <a:buSzPct val="80000"/>
+              <a:buFont typeface="Wingdings 3" charset="2"/>
+              <a:buNone/>
+              <a:defRPr sz="1400" b="0" i="0" kern="1200">
+                <a:solidFill>
+                  <a:schemeClr val="tx1">
+                    <a:tint val="75000"/>
+                  </a:schemeClr>
+                </a:solidFill>
+                <a:latin typeface="+mj-lt"/>
+                <a:ea typeface="+mj-ea"/>
+                <a:cs typeface="+mj-cs"/>
+              </a:defRPr>
+            </a:lvl8pPr>
+            <a:lvl9pPr marL="3657600" indent="0" algn="ctr" defTabSz="457200" rtl="0" eaLnBrk="1" latinLnBrk="1" hangingPunct="1">
+              <a:spcBef>
+                <a:spcPts val="1000"/>
+              </a:spcBef>
+              <a:spcAft>
+                <a:spcPts val="0"/>
+              </a:spcAft>
+              <a:buClr>
+                <a:schemeClr val="bg2">
+                  <a:lumMod val="40000"/>
+                  <a:lumOff val="60000"/>
+                </a:schemeClr>
+              </a:buClr>
+              <a:buSzPct val="80000"/>
+              <a:buFont typeface="Wingdings 3" charset="2"/>
+              <a:buNone/>
+              <a:defRPr sz="1400" b="0" i="0" kern="1200">
+                <a:solidFill>
+                  <a:schemeClr val="tx1">
+                    <a:tint val="75000"/>
+                  </a:schemeClr>
+                </a:solidFill>
+                <a:latin typeface="+mj-lt"/>
+                <a:ea typeface="+mj-ea"/>
+                <a:cs typeface="+mj-cs"/>
+              </a:defRPr>
+            </a:lvl9pPr>
+          </a:lstStyle>
+          <a:p>
+            <a:pPr algn="ctr"/>
+            <a:r>
+              <a:rPr lang="ko-KR" altLang="en-US" sz="1600" b="1" cap="none" dirty="0">
+                <a:solidFill>
+                  <a:schemeClr val="tx1"/>
+                </a:solidFill>
+              </a:rPr>
+              <a:t>형태소 단위의 </a:t>
+            </a:r>
+            <a:r>
+              <a:rPr lang="en-US" altLang="ko-KR" sz="1600" b="1" cap="none" dirty="0">
+                <a:solidFill>
+                  <a:schemeClr val="tx1"/>
+                </a:solidFill>
+              </a:rPr>
+              <a:t>text</a:t>
+            </a:r>
+            <a:r>
+              <a:rPr lang="ko-KR" altLang="en-US" sz="1600" b="1" cap="none" dirty="0">
+                <a:solidFill>
+                  <a:schemeClr val="tx1"/>
+                </a:solidFill>
+              </a:rPr>
+              <a:t>를 </a:t>
+            </a:r>
+            <a:r>
+              <a:rPr lang="en-US" altLang="ko-KR" sz="1600" b="1" cap="none" dirty="0">
+                <a:solidFill>
+                  <a:schemeClr val="tx1"/>
+                </a:solidFill>
+              </a:rPr>
+              <a:t>key</a:t>
+            </a:r>
+            <a:r>
+              <a:rPr lang="ko-KR" altLang="en-US" sz="1600" b="1" cap="none" dirty="0">
+                <a:solidFill>
+                  <a:schemeClr val="tx1"/>
+                </a:solidFill>
+              </a:rPr>
+              <a:t>로 하여 </a:t>
+            </a:r>
+            <a:r>
+              <a:rPr lang="en-US" altLang="ko-KR" sz="1600" b="1" cap="none" dirty="0">
+                <a:solidFill>
+                  <a:schemeClr val="tx1"/>
+                </a:solidFill>
+              </a:rPr>
+              <a:t>dictionary</a:t>
+            </a:r>
+            <a:r>
+              <a:rPr lang="ko-KR" altLang="en-US" sz="1600" b="1" cap="none" dirty="0">
+                <a:solidFill>
+                  <a:schemeClr val="tx1"/>
+                </a:solidFill>
+              </a:rPr>
+              <a:t>의 </a:t>
+            </a:r>
+            <a:r>
+              <a:rPr lang="en-US" altLang="ko-KR" sz="1600" b="1" cap="none" dirty="0">
+                <a:solidFill>
+                  <a:schemeClr val="tx1"/>
+                </a:solidFill>
+              </a:rPr>
+              <a:t>value </a:t>
+            </a:r>
+            <a:r>
+              <a:rPr lang="ko-KR" altLang="en-US" sz="1600" b="1" cap="none" dirty="0">
+                <a:solidFill>
+                  <a:schemeClr val="tx1"/>
+                </a:solidFill>
+              </a:rPr>
+              <a:t>만큼의 </a:t>
+            </a:r>
+            <a:r>
+              <a:rPr lang="en-US" altLang="ko-KR" sz="1600" b="1" cap="none" dirty="0">
+                <a:solidFill>
+                  <a:schemeClr val="tx1"/>
+                </a:solidFill>
+              </a:rPr>
+              <a:t>Topic Value </a:t>
+            </a:r>
+            <a:r>
+              <a:rPr lang="ko-KR" altLang="en-US" sz="1600" b="1" cap="none" dirty="0">
+                <a:solidFill>
+                  <a:schemeClr val="tx1"/>
+                </a:solidFill>
+              </a:rPr>
+              <a:t>증가</a:t>
+            </a:r>
+            <a:endParaRPr lang="en-US" altLang="ko-KR" sz="1600" b="1" cap="none" dirty="0">
+              <a:solidFill>
+                <a:schemeClr val="tx1"/>
+              </a:solidFill>
+            </a:endParaRPr>
+          </a:p>
+        </p:txBody>
+      </p:sp>
+      <p:sp>
+        <p:nvSpPr>
+          <p:cNvPr id="18" name="사각형: 둥근 모서리 17">
+            <a:extLst>
+              <a:ext uri="{FF2B5EF4-FFF2-40B4-BE49-F238E27FC236}">
+                <a16:creationId xmlns:a16="http://schemas.microsoft.com/office/drawing/2014/main" id="{825ABDD5-C82D-4CD4-A072-3CA82B99EAE2}"/>
+              </a:ext>
+            </a:extLst>
+          </p:cNvPr>
+          <p:cNvSpPr/>
+          <p:nvPr/>
+        </p:nvSpPr>
+        <p:spPr>
+          <a:xfrm>
+            <a:off x="1065207" y="4261320"/>
+            <a:ext cx="3892061" cy="949554"/>
+          </a:xfrm>
+          <a:prstGeom prst="roundRect">
+            <a:avLst/>
+          </a:prstGeom>
+          <a:noFill/>
+          <a:ln>
+            <a:solidFill>
+              <a:schemeClr val="tx1">
+                <a:lumMod val="50000"/>
+                <a:lumOff val="50000"/>
+              </a:schemeClr>
+            </a:solidFill>
+          </a:ln>
+        </p:spPr>
+        <p:style>
+          <a:lnRef idx="2">
+            <a:schemeClr val="accent1">
+              <a:shade val="50000"/>
+            </a:schemeClr>
+          </a:lnRef>
+          <a:fillRef idx="1">
+            <a:schemeClr val="accent1"/>
+          </a:fillRef>
+          <a:effectRef idx="0">
+            <a:schemeClr val="accent1"/>
+          </a:effectRef>
+          <a:fontRef idx="minor">
+            <a:schemeClr val="lt1"/>
+          </a:fontRef>
+        </p:style>
+        <p:txBody>
+          <a:bodyPr rtlCol="0" anchor="ctr"/>
+          <a:lstStyle/>
+          <a:p>
+            <a:pPr algn="ctr"/>
+            <a:endParaRPr lang="ko-KR" altLang="en-US"/>
+          </a:p>
+        </p:txBody>
+      </p:sp>
+      <p:pic>
+        <p:nvPicPr>
+          <p:cNvPr id="20" name="그림 19">
+            <a:extLst>
+              <a:ext uri="{FF2B5EF4-FFF2-40B4-BE49-F238E27FC236}">
+                <a16:creationId xmlns:a16="http://schemas.microsoft.com/office/drawing/2014/main" id="{62756E9F-00E5-4C8F-8B06-AEBF9A30568B}"/>
+              </a:ext>
+            </a:extLst>
+          </p:cNvPr>
+          <p:cNvPicPr>
+            <a:picLocks noChangeAspect="1"/>
+          </p:cNvPicPr>
+          <p:nvPr/>
+        </p:nvPicPr>
+        <p:blipFill>
+          <a:blip r:embed="rId3"/>
+          <a:stretch>
+            <a:fillRect/>
+          </a:stretch>
+        </p:blipFill>
+        <p:spPr>
+          <a:xfrm>
+            <a:off x="5130800" y="4227977"/>
+            <a:ext cx="6363908" cy="913744"/>
+          </a:xfrm>
+          <a:prstGeom prst="rect">
+            <a:avLst/>
+          </a:prstGeom>
+        </p:spPr>
+      </p:pic>
+      <p:sp>
+        <p:nvSpPr>
+          <p:cNvPr id="21" name="부제목 3">
+            <a:extLst>
+              <a:ext uri="{FF2B5EF4-FFF2-40B4-BE49-F238E27FC236}">
+                <a16:creationId xmlns:a16="http://schemas.microsoft.com/office/drawing/2014/main" id="{0F8DD926-0B91-4B4B-A237-ADD847C4D471}"/>
+              </a:ext>
+            </a:extLst>
+          </p:cNvPr>
+          <p:cNvSpPr txBox="1">
+            <a:spLocks/>
+          </p:cNvSpPr>
+          <p:nvPr/>
+        </p:nvSpPr>
+        <p:spPr>
+          <a:xfrm>
+            <a:off x="1353516" y="5744287"/>
+            <a:ext cx="3230933" cy="758085"/>
+          </a:xfrm>
+          <a:prstGeom prst="rect">
+            <a:avLst/>
+          </a:prstGeom>
+        </p:spPr>
+        <p:txBody>
+          <a:bodyPr vert="horz" lIns="91440" tIns="45720" rIns="91440" bIns="45720" rtlCol="0" anchor="t">
+            <a:normAutofit/>
+          </a:bodyPr>
+          <a:lstStyle>
+            <a:lvl1pPr marL="0" indent="0" algn="l" defTabSz="457200" rtl="0" eaLnBrk="1" latinLnBrk="1" hangingPunct="1">
+              <a:spcBef>
+                <a:spcPts val="1000"/>
+              </a:spcBef>
+              <a:spcAft>
+                <a:spcPts val="0"/>
+              </a:spcAft>
+              <a:buClr>
+                <a:schemeClr val="bg2">
+                  <a:lumMod val="40000"/>
+                  <a:lumOff val="60000"/>
+                </a:schemeClr>
+              </a:buClr>
+              <a:buSzPct val="80000"/>
+              <a:buFont typeface="Wingdings 3" charset="2"/>
+              <a:buNone/>
+              <a:defRPr sz="2000" b="0" i="0" kern="1200" cap="all">
+                <a:solidFill>
+                  <a:schemeClr val="bg2">
+                    <a:lumMod val="40000"/>
+                    <a:lumOff val="60000"/>
+                  </a:schemeClr>
+                </a:solidFill>
+                <a:latin typeface="+mj-lt"/>
+                <a:ea typeface="+mj-ea"/>
+                <a:cs typeface="+mj-cs"/>
+              </a:defRPr>
+            </a:lvl1pPr>
+            <a:lvl2pPr marL="457200" indent="0" algn="ctr" defTabSz="457200" rtl="0" eaLnBrk="1" latinLnBrk="1" hangingPunct="1">
+              <a:spcBef>
+                <a:spcPts val="1000"/>
+              </a:spcBef>
+              <a:spcAft>
+                <a:spcPts val="0"/>
+              </a:spcAft>
+              <a:buClr>
+                <a:schemeClr val="bg2">
+                  <a:lumMod val="40000"/>
+                  <a:lumOff val="60000"/>
+                </a:schemeClr>
+              </a:buClr>
+              <a:buSzPct val="80000"/>
+              <a:buFont typeface="Wingdings 3" charset="2"/>
+              <a:buNone/>
+              <a:defRPr sz="1800" b="0" i="0" kern="1200">
+                <a:solidFill>
+                  <a:schemeClr val="tx1">
+                    <a:tint val="75000"/>
+                  </a:schemeClr>
+                </a:solidFill>
+                <a:latin typeface="+mj-lt"/>
+                <a:ea typeface="+mj-ea"/>
+                <a:cs typeface="+mj-cs"/>
+              </a:defRPr>
+            </a:lvl2pPr>
+            <a:lvl3pPr marL="914400" indent="0" algn="ctr" defTabSz="457200" rtl="0" eaLnBrk="1" latinLnBrk="1" hangingPunct="1">
+              <a:spcBef>
+                <a:spcPts val="1000"/>
+              </a:spcBef>
+              <a:spcAft>
+                <a:spcPts val="0"/>
+              </a:spcAft>
+              <a:buClr>
+                <a:schemeClr val="bg2">
+                  <a:lumMod val="40000"/>
+                  <a:lumOff val="60000"/>
+                </a:schemeClr>
+              </a:buClr>
+              <a:buSzPct val="80000"/>
+              <a:buFont typeface="Wingdings 3" charset="2"/>
+              <a:buNone/>
+              <a:defRPr sz="1600" b="0" i="0" kern="1200">
+                <a:solidFill>
+                  <a:schemeClr val="tx1">
+                    <a:tint val="75000"/>
+                  </a:schemeClr>
+                </a:solidFill>
+                <a:latin typeface="+mj-lt"/>
+                <a:ea typeface="+mj-ea"/>
+                <a:cs typeface="+mj-cs"/>
+              </a:defRPr>
+            </a:lvl3pPr>
+            <a:lvl4pPr marL="1371600" indent="0" algn="ctr" defTabSz="457200" rtl="0" eaLnBrk="1" latinLnBrk="1" hangingPunct="1">
+              <a:spcBef>
+                <a:spcPts val="1000"/>
+              </a:spcBef>
+              <a:spcAft>
+                <a:spcPts val="0"/>
+              </a:spcAft>
+              <a:buClr>
+                <a:schemeClr val="bg2">
+                  <a:lumMod val="40000"/>
+                  <a:lumOff val="60000"/>
+                </a:schemeClr>
+              </a:buClr>
+              <a:buSzPct val="80000"/>
+              <a:buFont typeface="Wingdings 3" charset="2"/>
+              <a:buNone/>
+              <a:defRPr sz="1400" b="0" i="0" kern="1200">
+                <a:solidFill>
+                  <a:schemeClr val="tx1">
+                    <a:tint val="75000"/>
+                  </a:schemeClr>
+                </a:solidFill>
+                <a:latin typeface="+mj-lt"/>
+                <a:ea typeface="+mj-ea"/>
+                <a:cs typeface="+mj-cs"/>
+              </a:defRPr>
+            </a:lvl4pPr>
+            <a:lvl5pPr marL="1828800" indent="0" algn="ctr" defTabSz="457200" rtl="0" eaLnBrk="1" latinLnBrk="1" hangingPunct="1">
+              <a:spcBef>
+                <a:spcPts val="1000"/>
+              </a:spcBef>
+              <a:spcAft>
+                <a:spcPts val="0"/>
+              </a:spcAft>
+              <a:buClr>
+                <a:schemeClr val="bg2">
+                  <a:lumMod val="40000"/>
+                  <a:lumOff val="60000"/>
+                </a:schemeClr>
+              </a:buClr>
+              <a:buSzPct val="80000"/>
+              <a:buFont typeface="Wingdings 3" charset="2"/>
+              <a:buNone/>
+              <a:defRPr sz="1400" b="0" i="0" kern="1200">
+                <a:solidFill>
+                  <a:schemeClr val="tx1">
+                    <a:tint val="75000"/>
+                  </a:schemeClr>
+                </a:solidFill>
+                <a:latin typeface="+mj-lt"/>
+                <a:ea typeface="+mj-ea"/>
+                <a:cs typeface="+mj-cs"/>
+              </a:defRPr>
+            </a:lvl5pPr>
+            <a:lvl6pPr marL="2286000" indent="0" algn="ctr" defTabSz="457200" rtl="0" eaLnBrk="1" latinLnBrk="1" hangingPunct="1">
+              <a:spcBef>
+                <a:spcPts val="1000"/>
+              </a:spcBef>
+              <a:spcAft>
+                <a:spcPts val="0"/>
+              </a:spcAft>
+              <a:buClr>
+                <a:schemeClr val="bg2">
+                  <a:lumMod val="40000"/>
+                  <a:lumOff val="60000"/>
+                </a:schemeClr>
+              </a:buClr>
+              <a:buSzPct val="80000"/>
+              <a:buFont typeface="Wingdings 3" charset="2"/>
+              <a:buNone/>
+              <a:defRPr sz="1400" b="0" i="0" kern="1200">
+                <a:solidFill>
+                  <a:schemeClr val="tx1">
+                    <a:tint val="75000"/>
+                  </a:schemeClr>
+                </a:solidFill>
+                <a:latin typeface="+mj-lt"/>
+                <a:ea typeface="+mj-ea"/>
+                <a:cs typeface="+mj-cs"/>
+              </a:defRPr>
+            </a:lvl6pPr>
+            <a:lvl7pPr marL="2743200" indent="0" algn="ctr" defTabSz="457200" rtl="0" eaLnBrk="1" latinLnBrk="1" hangingPunct="1">
+              <a:spcBef>
+                <a:spcPts val="1000"/>
+              </a:spcBef>
+              <a:spcAft>
+                <a:spcPts val="0"/>
+              </a:spcAft>
+              <a:buClr>
+                <a:schemeClr val="bg2">
+                  <a:lumMod val="40000"/>
+                  <a:lumOff val="60000"/>
+                </a:schemeClr>
+              </a:buClr>
+              <a:buSzPct val="80000"/>
+              <a:buFont typeface="Wingdings 3" charset="2"/>
+              <a:buNone/>
+              <a:defRPr sz="1400" b="0" i="0" kern="1200">
+                <a:solidFill>
+                  <a:schemeClr val="tx1">
+                    <a:tint val="75000"/>
+                  </a:schemeClr>
+                </a:solidFill>
+                <a:latin typeface="+mj-lt"/>
+                <a:ea typeface="+mj-ea"/>
+                <a:cs typeface="+mj-cs"/>
+              </a:defRPr>
+            </a:lvl7pPr>
+            <a:lvl8pPr marL="3200400" indent="0" algn="ctr" defTabSz="457200" rtl="0" eaLnBrk="1" latinLnBrk="1" hangingPunct="1">
+              <a:spcBef>
+                <a:spcPts val="1000"/>
+              </a:spcBef>
+              <a:spcAft>
+                <a:spcPts val="0"/>
+              </a:spcAft>
+              <a:buClr>
+                <a:schemeClr val="bg2">
+                  <a:lumMod val="40000"/>
+                  <a:lumOff val="60000"/>
+                </a:schemeClr>
+              </a:buClr>
+              <a:buSzPct val="80000"/>
+              <a:buFont typeface="Wingdings 3" charset="2"/>
+              <a:buNone/>
+              <a:defRPr sz="1400" b="0" i="0" kern="1200">
+                <a:solidFill>
+                  <a:schemeClr val="tx1">
+                    <a:tint val="75000"/>
+                  </a:schemeClr>
+                </a:solidFill>
+                <a:latin typeface="+mj-lt"/>
+                <a:ea typeface="+mj-ea"/>
+                <a:cs typeface="+mj-cs"/>
+              </a:defRPr>
+            </a:lvl8pPr>
+            <a:lvl9pPr marL="3657600" indent="0" algn="ctr" defTabSz="457200" rtl="0" eaLnBrk="1" latinLnBrk="1" hangingPunct="1">
+              <a:spcBef>
+                <a:spcPts val="1000"/>
+              </a:spcBef>
+              <a:spcAft>
+                <a:spcPts val="0"/>
+              </a:spcAft>
+              <a:buClr>
+                <a:schemeClr val="bg2">
+                  <a:lumMod val="40000"/>
+                  <a:lumOff val="60000"/>
+                </a:schemeClr>
+              </a:buClr>
+              <a:buSzPct val="80000"/>
+              <a:buFont typeface="Wingdings 3" charset="2"/>
+              <a:buNone/>
+              <a:defRPr sz="1400" b="0" i="0" kern="1200">
+                <a:solidFill>
+                  <a:schemeClr val="tx1">
+                    <a:tint val="75000"/>
+                  </a:schemeClr>
+                </a:solidFill>
+                <a:latin typeface="+mj-lt"/>
+                <a:ea typeface="+mj-ea"/>
+                <a:cs typeface="+mj-cs"/>
+              </a:defRPr>
+            </a:lvl9pPr>
+          </a:lstStyle>
+          <a:p>
+            <a:pPr algn="ctr"/>
+            <a:r>
+              <a:rPr lang="ko-KR" altLang="en-US" sz="1600" b="1" cap="none" dirty="0">
+                <a:solidFill>
+                  <a:schemeClr val="tx1"/>
+                </a:solidFill>
+              </a:rPr>
+              <a:t>전체 </a:t>
+            </a:r>
+            <a:r>
+              <a:rPr lang="en-US" altLang="ko-KR" sz="1600" b="1" cap="none" dirty="0">
+                <a:solidFill>
+                  <a:schemeClr val="tx1"/>
+                </a:solidFill>
+              </a:rPr>
+              <a:t>Topic Value</a:t>
+            </a:r>
+            <a:r>
+              <a:rPr lang="ko-KR" altLang="en-US" sz="1600" b="1" cap="none" dirty="0">
+                <a:solidFill>
+                  <a:schemeClr val="tx1"/>
+                </a:solidFill>
+              </a:rPr>
+              <a:t>합을 통해 각각의 토픽에 해당하는 비율 계산</a:t>
+            </a:r>
+            <a:endParaRPr lang="en-US" altLang="ko-KR" sz="1600" b="1" cap="none" dirty="0">
+              <a:solidFill>
+                <a:schemeClr val="tx1"/>
+              </a:solidFill>
+            </a:endParaRPr>
+          </a:p>
+        </p:txBody>
+      </p:sp>
+      <p:sp>
+        <p:nvSpPr>
+          <p:cNvPr id="22" name="사각형: 둥근 모서리 21">
+            <a:extLst>
+              <a:ext uri="{FF2B5EF4-FFF2-40B4-BE49-F238E27FC236}">
+                <a16:creationId xmlns:a16="http://schemas.microsoft.com/office/drawing/2014/main" id="{BAF007CA-E9EA-4E33-9824-FCC00152F48E}"/>
+              </a:ext>
+            </a:extLst>
+          </p:cNvPr>
+          <p:cNvSpPr/>
+          <p:nvPr/>
+        </p:nvSpPr>
+        <p:spPr>
+          <a:xfrm>
+            <a:off x="1076929" y="5648552"/>
+            <a:ext cx="3892061" cy="949554"/>
+          </a:xfrm>
+          <a:prstGeom prst="roundRect">
+            <a:avLst/>
+          </a:prstGeom>
+          <a:noFill/>
+          <a:ln>
+            <a:solidFill>
+              <a:schemeClr val="tx1">
+                <a:lumMod val="50000"/>
+                <a:lumOff val="50000"/>
+              </a:schemeClr>
+            </a:solidFill>
+          </a:ln>
+        </p:spPr>
+        <p:style>
+          <a:lnRef idx="2">
+            <a:schemeClr val="accent1">
+              <a:shade val="50000"/>
+            </a:schemeClr>
+          </a:lnRef>
+          <a:fillRef idx="1">
+            <a:schemeClr val="accent1"/>
+          </a:fillRef>
+          <a:effectRef idx="0">
+            <a:schemeClr val="accent1"/>
+          </a:effectRef>
+          <a:fontRef idx="minor">
+            <a:schemeClr val="lt1"/>
+          </a:fontRef>
+        </p:style>
+        <p:txBody>
+          <a:bodyPr rtlCol="0" anchor="ctr"/>
+          <a:lstStyle/>
+          <a:p>
+            <a:pPr algn="ctr"/>
+            <a:endParaRPr lang="ko-KR" altLang="en-US"/>
+          </a:p>
+        </p:txBody>
+      </p:sp>
+      <p:sp>
+        <p:nvSpPr>
+          <p:cNvPr id="2" name="화살표: 아래쪽 1">
+            <a:extLst>
+              <a:ext uri="{FF2B5EF4-FFF2-40B4-BE49-F238E27FC236}">
+                <a16:creationId xmlns:a16="http://schemas.microsoft.com/office/drawing/2014/main" id="{52FE9850-B51C-4645-BB6D-ED1BE3DAECF2}"/>
+              </a:ext>
+            </a:extLst>
+          </p:cNvPr>
+          <p:cNvSpPr/>
+          <p:nvPr/>
+        </p:nvSpPr>
+        <p:spPr>
+          <a:xfrm>
+            <a:off x="2813538" y="2487177"/>
+            <a:ext cx="398585" cy="291175"/>
+          </a:xfrm>
+          <a:prstGeom prst="downArrow">
+            <a:avLst/>
+          </a:prstGeom>
+        </p:spPr>
+        <p:style>
+          <a:lnRef idx="2">
+            <a:schemeClr val="accent1">
+              <a:shade val="50000"/>
+            </a:schemeClr>
+          </a:lnRef>
+          <a:fillRef idx="1">
+            <a:schemeClr val="accent1"/>
+          </a:fillRef>
+          <a:effectRef idx="0">
+            <a:schemeClr val="accent1"/>
+          </a:effectRef>
+          <a:fontRef idx="minor">
+            <a:schemeClr val="lt1"/>
+          </a:fontRef>
+        </p:style>
+        <p:txBody>
+          <a:bodyPr rtlCol="0" anchor="ctr"/>
+          <a:lstStyle/>
+          <a:p>
+            <a:pPr algn="ctr"/>
+            <a:endParaRPr lang="ko-KR" altLang="en-US"/>
+          </a:p>
+        </p:txBody>
+      </p:sp>
+      <p:sp>
+        <p:nvSpPr>
+          <p:cNvPr id="23" name="화살표: 아래쪽 22">
+            <a:extLst>
+              <a:ext uri="{FF2B5EF4-FFF2-40B4-BE49-F238E27FC236}">
+                <a16:creationId xmlns:a16="http://schemas.microsoft.com/office/drawing/2014/main" id="{CADC751A-8CA2-4136-B953-19D8F13DDC62}"/>
+              </a:ext>
+            </a:extLst>
+          </p:cNvPr>
+          <p:cNvSpPr/>
+          <p:nvPr/>
+        </p:nvSpPr>
+        <p:spPr>
+          <a:xfrm>
+            <a:off x="2808034" y="3893912"/>
+            <a:ext cx="398585" cy="291175"/>
+          </a:xfrm>
+          <a:prstGeom prst="downArrow">
+            <a:avLst/>
+          </a:prstGeom>
+        </p:spPr>
+        <p:style>
+          <a:lnRef idx="2">
+            <a:schemeClr val="accent1">
+              <a:shade val="50000"/>
+            </a:schemeClr>
+          </a:lnRef>
+          <a:fillRef idx="1">
+            <a:schemeClr val="accent1"/>
+          </a:fillRef>
+          <a:effectRef idx="0">
+            <a:schemeClr val="accent1"/>
+          </a:effectRef>
+          <a:fontRef idx="minor">
+            <a:schemeClr val="lt1"/>
+          </a:fontRef>
+        </p:style>
+        <p:txBody>
+          <a:bodyPr rtlCol="0" anchor="ctr"/>
+          <a:lstStyle/>
+          <a:p>
+            <a:pPr algn="ctr"/>
+            <a:endParaRPr lang="ko-KR" altLang="en-US"/>
+          </a:p>
+        </p:txBody>
+      </p:sp>
+      <p:sp>
+        <p:nvSpPr>
+          <p:cNvPr id="24" name="화살표: 아래쪽 23">
+            <a:extLst>
+              <a:ext uri="{FF2B5EF4-FFF2-40B4-BE49-F238E27FC236}">
+                <a16:creationId xmlns:a16="http://schemas.microsoft.com/office/drawing/2014/main" id="{424BCCF4-4100-4322-B9CD-C88E4DD97201}"/>
+              </a:ext>
+            </a:extLst>
+          </p:cNvPr>
+          <p:cNvSpPr/>
+          <p:nvPr/>
+        </p:nvSpPr>
+        <p:spPr>
+          <a:xfrm>
+            <a:off x="2808033" y="5259657"/>
+            <a:ext cx="398585" cy="291175"/>
+          </a:xfrm>
+          <a:prstGeom prst="downArrow">
+            <a:avLst/>
+          </a:prstGeom>
+        </p:spPr>
+        <p:style>
+          <a:lnRef idx="2">
+            <a:schemeClr val="accent1">
+              <a:shade val="50000"/>
+            </a:schemeClr>
+          </a:lnRef>
+          <a:fillRef idx="1">
+            <a:schemeClr val="accent1"/>
+          </a:fillRef>
+          <a:effectRef idx="0">
+            <a:schemeClr val="accent1"/>
+          </a:effectRef>
+          <a:fontRef idx="minor">
+            <a:schemeClr val="lt1"/>
+          </a:fontRef>
+        </p:style>
+        <p:txBody>
+          <a:bodyPr rtlCol="0" anchor="ctr"/>
+          <a:lstStyle/>
+          <a:p>
+            <a:pPr algn="ctr"/>
+            <a:endParaRPr lang="ko-KR" altLang="en-US"/>
+          </a:p>
+        </p:txBody>
+      </p:sp>
+      <p:sp>
+        <p:nvSpPr>
+          <p:cNvPr id="6" name="화살표: 오른쪽 5">
+            <a:extLst>
+              <a:ext uri="{FF2B5EF4-FFF2-40B4-BE49-F238E27FC236}">
+                <a16:creationId xmlns:a16="http://schemas.microsoft.com/office/drawing/2014/main" id="{670A1340-C95D-48DC-93D8-5D8227B399B4}"/>
+              </a:ext>
+            </a:extLst>
+          </p:cNvPr>
+          <p:cNvSpPr/>
+          <p:nvPr/>
+        </p:nvSpPr>
+        <p:spPr>
+          <a:xfrm flipH="1">
+            <a:off x="4953358" y="1928366"/>
+            <a:ext cx="2368060" cy="189509"/>
+          </a:xfrm>
+          <a:prstGeom prst="rightArrow">
+            <a:avLst/>
+          </a:prstGeom>
+        </p:spPr>
+        <p:style>
+          <a:lnRef idx="2">
+            <a:schemeClr val="accent1">
+              <a:shade val="50000"/>
+            </a:schemeClr>
+          </a:lnRef>
+          <a:fillRef idx="1">
+            <a:schemeClr val="accent1"/>
+          </a:fillRef>
+          <a:effectRef idx="0">
+            <a:schemeClr val="accent1"/>
+          </a:effectRef>
+          <a:fontRef idx="minor">
+            <a:schemeClr val="lt1"/>
+          </a:fontRef>
+        </p:style>
+        <p:txBody>
+          <a:bodyPr rtlCol="0" anchor="ctr"/>
+          <a:lstStyle/>
+          <a:p>
+            <a:pPr algn="ctr"/>
+            <a:endParaRPr lang="ko-KR" altLang="en-US"/>
+          </a:p>
+        </p:txBody>
+      </p:sp>
+      <p:sp>
+        <p:nvSpPr>
+          <p:cNvPr id="25" name="화살표: 오른쪽 24">
+            <a:extLst>
+              <a:ext uri="{FF2B5EF4-FFF2-40B4-BE49-F238E27FC236}">
+                <a16:creationId xmlns:a16="http://schemas.microsoft.com/office/drawing/2014/main" id="{A256CD20-3526-47EA-9937-D4AE45600973}"/>
+              </a:ext>
+            </a:extLst>
+          </p:cNvPr>
+          <p:cNvSpPr/>
+          <p:nvPr/>
+        </p:nvSpPr>
+        <p:spPr>
+          <a:xfrm rot="13855563" flipH="1">
+            <a:off x="4844483" y="3656373"/>
+            <a:ext cx="852392" cy="189509"/>
+          </a:xfrm>
+          <a:prstGeom prst="rightArrow">
+            <a:avLst/>
+          </a:prstGeom>
+        </p:spPr>
+        <p:style>
+          <a:lnRef idx="2">
+            <a:schemeClr val="accent1">
+              <a:shade val="50000"/>
+            </a:schemeClr>
+          </a:lnRef>
+          <a:fillRef idx="1">
+            <a:schemeClr val="accent1"/>
+          </a:fillRef>
+          <a:effectRef idx="0">
+            <a:schemeClr val="accent1"/>
+          </a:effectRef>
+          <a:fontRef idx="minor">
+            <a:schemeClr val="lt1"/>
+          </a:fontRef>
+        </p:style>
+        <p:txBody>
+          <a:bodyPr rtlCol="0" anchor="ctr"/>
+          <a:lstStyle/>
+          <a:p>
+            <a:pPr algn="ctr"/>
+            <a:endParaRPr lang="ko-KR" altLang="en-US"/>
+          </a:p>
+        </p:txBody>
+      </p:sp>
+      <p:sp>
+        <p:nvSpPr>
+          <p:cNvPr id="26" name="화살표: 오른쪽 25">
+            <a:extLst>
+              <a:ext uri="{FF2B5EF4-FFF2-40B4-BE49-F238E27FC236}">
+                <a16:creationId xmlns:a16="http://schemas.microsoft.com/office/drawing/2014/main" id="{C16ED72A-F906-46E0-BD70-C317546D70CA}"/>
+              </a:ext>
+            </a:extLst>
+          </p:cNvPr>
+          <p:cNvSpPr/>
+          <p:nvPr/>
+        </p:nvSpPr>
+        <p:spPr>
+          <a:xfrm flipH="1">
+            <a:off x="4810286" y="4655970"/>
+            <a:ext cx="317407" cy="189509"/>
+          </a:xfrm>
+          <a:prstGeom prst="rightArrow">
+            <a:avLst/>
+          </a:prstGeom>
+        </p:spPr>
+        <p:style>
+          <a:lnRef idx="2">
+            <a:schemeClr val="accent1">
+              <a:shade val="50000"/>
+            </a:schemeClr>
+          </a:lnRef>
+          <a:fillRef idx="1">
+            <a:schemeClr val="accent1"/>
+          </a:fillRef>
+          <a:effectRef idx="0">
+            <a:schemeClr val="accent1"/>
+          </a:effectRef>
+          <a:fontRef idx="minor">
+            <a:schemeClr val="lt1"/>
+          </a:fontRef>
+        </p:style>
+        <p:txBody>
+          <a:bodyPr rtlCol="0" anchor="ctr"/>
+          <a:lstStyle/>
+          <a:p>
+            <a:pPr algn="ctr"/>
+            <a:endParaRPr lang="ko-KR" altLang="en-US"/>
+          </a:p>
+        </p:txBody>
+      </p:sp>
+      <p:sp>
+        <p:nvSpPr>
+          <p:cNvPr id="27" name="화살표: 오른쪽 26">
+            <a:extLst>
+              <a:ext uri="{FF2B5EF4-FFF2-40B4-BE49-F238E27FC236}">
+                <a16:creationId xmlns:a16="http://schemas.microsoft.com/office/drawing/2014/main" id="{38A66FC1-2562-4228-AC97-E886B08FEE59}"/>
+              </a:ext>
+            </a:extLst>
+          </p:cNvPr>
+          <p:cNvSpPr/>
+          <p:nvPr/>
+        </p:nvSpPr>
+        <p:spPr>
+          <a:xfrm>
+            <a:off x="5102651" y="5984109"/>
+            <a:ext cx="1595133" cy="268200"/>
+          </a:xfrm>
+          <a:prstGeom prst="rightArrow">
+            <a:avLst/>
+          </a:prstGeom>
+        </p:spPr>
+        <p:style>
+          <a:lnRef idx="2">
+            <a:schemeClr val="accent1">
+              <a:shade val="50000"/>
+            </a:schemeClr>
+          </a:lnRef>
+          <a:fillRef idx="1">
+            <a:schemeClr val="accent1"/>
+          </a:fillRef>
+          <a:effectRef idx="0">
+            <a:schemeClr val="accent1"/>
+          </a:effectRef>
+          <a:fontRef idx="minor">
+            <a:schemeClr val="lt1"/>
+          </a:fontRef>
+        </p:style>
+        <p:txBody>
+          <a:bodyPr rtlCol="0" anchor="ctr"/>
+          <a:lstStyle/>
+          <a:p>
+            <a:pPr algn="ctr"/>
+            <a:endParaRPr lang="ko-KR" altLang="en-US"/>
+          </a:p>
+        </p:txBody>
+      </p:sp>
+      <p:pic>
+        <p:nvPicPr>
+          <p:cNvPr id="28" name="그림 27">
+            <a:extLst>
+              <a:ext uri="{FF2B5EF4-FFF2-40B4-BE49-F238E27FC236}">
+                <a16:creationId xmlns:a16="http://schemas.microsoft.com/office/drawing/2014/main" id="{F9630010-FC61-4279-BB6E-407761D76393}"/>
+              </a:ext>
+            </a:extLst>
+          </p:cNvPr>
+          <p:cNvPicPr>
+            <a:picLocks noChangeAspect="1"/>
+          </p:cNvPicPr>
+          <p:nvPr/>
+        </p:nvPicPr>
+        <p:blipFill>
+          <a:blip r:embed="rId4"/>
+          <a:stretch>
+            <a:fillRect/>
+          </a:stretch>
+        </p:blipFill>
+        <p:spPr>
+          <a:xfrm>
+            <a:off x="6824938" y="5288054"/>
+            <a:ext cx="2975632" cy="1392109"/>
+          </a:xfrm>
+          <a:prstGeom prst="rect">
+            <a:avLst/>
+          </a:prstGeom>
+        </p:spPr>
+      </p:pic>
+    </p:spTree>
+    <p:extLst>
+      <p:ext uri="{BB962C8B-B14F-4D97-AF65-F5344CB8AC3E}">
+        <p14:creationId xmlns:p14="http://schemas.microsoft.com/office/powerpoint/2010/main" val="695242567"/>
+      </p:ext>
+    </p:extLst>
+  </p:cSld>
+  <p:clrMapOvr>
+    <a:masterClrMapping/>
+  </p:clrMapOvr>
+</p:sld>
+</file>
+
+<file path=ppt/slides/slide14.xml><?xml version="1.0" encoding="utf-8"?>
+<p:sld xmlns:a="http://schemas.openxmlformats.org/drawingml/2006/main" xmlns:r="http://schemas.openxmlformats.org/officeDocument/2006/relationships" xmlns:p="http://schemas.openxmlformats.org/presentationml/2006/main">
+  <p:cSld>
+    <p:spTree>
+      <p:nvGrpSpPr>
+        <p:cNvPr id="1" name=""/>
+        <p:cNvGrpSpPr/>
+        <p:nvPr/>
+      </p:nvGrpSpPr>
+      <p:grpSpPr>
+        <a:xfrm>
+          <a:off x="0" y="0"/>
+          <a:ext cx="0" cy="0"/>
+          <a:chOff x="0" y="0"/>
+          <a:chExt cx="0" cy="0"/>
+        </a:xfrm>
+      </p:grpSpPr>
+      <p:sp>
+        <p:nvSpPr>
+          <p:cNvPr id="4" name="부제목 3">
+            <a:extLst>
+              <a:ext uri="{FF2B5EF4-FFF2-40B4-BE49-F238E27FC236}">
                 <a16:creationId xmlns:a16="http://schemas.microsoft.com/office/drawing/2014/main" id="{70B372B1-86D3-4A60-A022-5975D5854EAC}"/>
               </a:ext>
             </a:extLst>
@@ -10902,7 +14502,7 @@
 </p:sld>
 </file>
 
-<file path=ppt/slides/slide12.xml><?xml version="1.0" encoding="utf-8"?>
+<file path=ppt/slides/slide15.xml><?xml version="1.0" encoding="utf-8"?>
 <p:sld xmlns:a="http://schemas.openxmlformats.org/drawingml/2006/main" xmlns:r="http://schemas.openxmlformats.org/officeDocument/2006/relationships" xmlns:p="http://schemas.openxmlformats.org/presentationml/2006/main">
   <p:cSld>
     <p:spTree>
@@ -12465,7 +16065,7 @@
 </p:sld>
 </file>
 
-<file path=ppt/slides/slide13.xml><?xml version="1.0" encoding="utf-8"?>
+<file path=ppt/slides/slide16.xml><?xml version="1.0" encoding="utf-8"?>
 <p:sld xmlns:a="http://schemas.openxmlformats.org/drawingml/2006/main" xmlns:r="http://schemas.openxmlformats.org/officeDocument/2006/relationships" xmlns:p="http://schemas.openxmlformats.org/presentationml/2006/main">
   <p:cSld>
     <p:spTree>
@@ -14028,7 +17628,7 @@
 </p:sld>
 </file>
 
-<file path=ppt/slides/slide14.xml><?xml version="1.0" encoding="utf-8"?>
+<file path=ppt/slides/slide17.xml><?xml version="1.0" encoding="utf-8"?>
 <p:sld xmlns:a="http://schemas.openxmlformats.org/drawingml/2006/main" xmlns:r="http://schemas.openxmlformats.org/officeDocument/2006/relationships" xmlns:p="http://schemas.openxmlformats.org/presentationml/2006/main">
   <p:cSld>
     <p:spTree>
@@ -14788,7 +18388,7 @@
 </p:sld>
 </file>
 
-<file path=ppt/slides/slide15.xml><?xml version="1.0" encoding="utf-8"?>
+<file path=ppt/slides/slide18.xml><?xml version="1.0" encoding="utf-8"?>
 <p:sld xmlns:a="http://schemas.openxmlformats.org/drawingml/2006/main" xmlns:r="http://schemas.openxmlformats.org/officeDocument/2006/relationships" xmlns:p="http://schemas.openxmlformats.org/presentationml/2006/main">
   <p:cSld>
     <p:spTree>
@@ -14884,7 +18484,7 @@
 </p:sld>
 </file>
 
-<file path=ppt/slides/slide16.xml><?xml version="1.0" encoding="utf-8"?>
+<file path=ppt/slides/slide19.xml><?xml version="1.0" encoding="utf-8"?>
 <p:sld xmlns:a="http://schemas.openxmlformats.org/drawingml/2006/main" xmlns:r="http://schemas.openxmlformats.org/officeDocument/2006/relationships" xmlns:p="http://schemas.openxmlformats.org/presentationml/2006/main">
   <p:cSld>
     <p:spTree>
@@ -19938,7 +23538,7 @@
           <a:graphicData uri="http://schemas.openxmlformats.org/presentationml/2006/ole">
             <mc:AlternateContent xmlns:mc="http://schemas.openxmlformats.org/markup-compatibility/2006">
               <mc:Choice xmlns:v="urn:schemas-microsoft-com:vml" Requires="v">
-                <p:oleObj spid="_x0000_s4105" name="비트맵 이미지" r:id="rId5" imgW="11438095" imgH="7380952" progId="Paint.Picture">
+                <p:oleObj spid="_x0000_s4109" name="비트맵 이미지" r:id="rId5" imgW="11438095" imgH="7380952" progId="Paint.Picture">
                   <p:embed/>
                 </p:oleObj>
               </mc:Choice>
@@ -20080,7 +23680,7 @@
           <a:graphicData uri="http://schemas.openxmlformats.org/presentationml/2006/ole">
             <mc:AlternateContent xmlns:mc="http://schemas.openxmlformats.org/markup-compatibility/2006">
               <mc:Choice xmlns:v="urn:schemas-microsoft-com:vml" Requires="v">
-                <p:oleObj spid="_x0000_s4106" name="비트맵 이미지" r:id="rId7" imgW="11403017" imgH="7268590" progId="Paint.Picture">
+                <p:oleObj spid="_x0000_s4110" name="비트맵 이미지" r:id="rId7" imgW="11403017" imgH="7268590" progId="Paint.Picture">
                   <p:embed/>
                 </p:oleObj>
               </mc:Choice>
@@ -20554,7 +24154,7 @@
           <a:graphicData uri="http://schemas.openxmlformats.org/presentationml/2006/ole">
             <mc:AlternateContent xmlns:mc="http://schemas.openxmlformats.org/markup-compatibility/2006">
               <mc:Choice xmlns:v="urn:schemas-microsoft-com:vml" Requires="v">
-                <p:oleObj spid="_x0000_s5135" name="비트맵 이미지" r:id="rId3" imgW="11495238" imgH="7306695" progId="Paint.Picture">
+                <p:oleObj spid="_x0000_s5141" name="비트맵 이미지" r:id="rId3" imgW="11495238" imgH="7306695" progId="Paint.Picture">
                   <p:embed/>
                 </p:oleObj>
               </mc:Choice>
@@ -20696,7 +24296,7 @@
           <a:graphicData uri="http://schemas.openxmlformats.org/presentationml/2006/ole">
             <mc:AlternateContent xmlns:mc="http://schemas.openxmlformats.org/markup-compatibility/2006">
               <mc:Choice xmlns:v="urn:schemas-microsoft-com:vml" Requires="v">
-                <p:oleObj spid="_x0000_s5136" name="비트맵 이미지" r:id="rId5" imgW="11403017" imgH="7361905" progId="Paint.Picture">
+                <p:oleObj spid="_x0000_s5142" name="비트맵 이미지" r:id="rId5" imgW="11403017" imgH="7361905" progId="Paint.Picture">
                   <p:embed/>
                 </p:oleObj>
               </mc:Choice>
@@ -20769,7 +24369,7 @@
           <a:graphicData uri="http://schemas.openxmlformats.org/presentationml/2006/ole">
             <mc:AlternateContent xmlns:mc="http://schemas.openxmlformats.org/markup-compatibility/2006">
               <mc:Choice xmlns:v="urn:schemas-microsoft-com:vml" Requires="v">
-                <p:oleObj spid="_x0000_s5137" name="비트맵 이미지" r:id="rId7" imgW="9209524" imgH="5877745" progId="Paint.Picture">
+                <p:oleObj spid="_x0000_s5143" name="비트맵 이미지" r:id="rId7" imgW="9209524" imgH="5877745" progId="Paint.Picture">
                   <p:embed/>
                 </p:oleObj>
               </mc:Choice>
